--- a/trunk/data/work/diagrams.pptx
+++ b/trunk/data/work/diagrams.pptx
@@ -6,11 +6,12 @@
   </p:sldMasterIdLst>
   <p:sldIdLst>
     <p:sldId id="259" r:id="rId2"/>
-    <p:sldId id="256" r:id="rId3"/>
-    <p:sldId id="258" r:id="rId4"/>
-    <p:sldId id="262" r:id="rId5"/>
-    <p:sldId id="260" r:id="rId6"/>
-    <p:sldId id="261" r:id="rId7"/>
+    <p:sldId id="264" r:id="rId3"/>
+    <p:sldId id="256" r:id="rId4"/>
+    <p:sldId id="258" r:id="rId5"/>
+    <p:sldId id="262" r:id="rId6"/>
+    <p:sldId id="260" r:id="rId7"/>
+    <p:sldId id="261" r:id="rId8"/>
   </p:sldIdLst>
   <p:sldSz cx="9144000" cy="6858000" type="screen4x3"/>
   <p:notesSz cx="6858000" cy="9144000"/>
@@ -293,7 +294,7 @@
           <a:p>
             <a:fld id="{8136B1A2-BD48-40D0-8ACE-0BC0EB70CE80}" type="datetimeFigureOut">
               <a:rPr lang="en-US" smtClean="0"/>
-              <a:t>3/5/2016</a:t>
+              <a:t>3/29/2016</a:t>
             </a:fld>
             <a:endParaRPr lang="en-US"/>
           </a:p>
@@ -463,7 +464,7 @@
           <a:p>
             <a:fld id="{8136B1A2-BD48-40D0-8ACE-0BC0EB70CE80}" type="datetimeFigureOut">
               <a:rPr lang="en-US" smtClean="0"/>
-              <a:t>3/5/2016</a:t>
+              <a:t>3/29/2016</a:t>
             </a:fld>
             <a:endParaRPr lang="en-US"/>
           </a:p>
@@ -643,7 +644,7 @@
           <a:p>
             <a:fld id="{8136B1A2-BD48-40D0-8ACE-0BC0EB70CE80}" type="datetimeFigureOut">
               <a:rPr lang="en-US" smtClean="0"/>
-              <a:t>3/5/2016</a:t>
+              <a:t>3/29/2016</a:t>
             </a:fld>
             <a:endParaRPr lang="en-US"/>
           </a:p>
@@ -813,7 +814,7 @@
           <a:p>
             <a:fld id="{8136B1A2-BD48-40D0-8ACE-0BC0EB70CE80}" type="datetimeFigureOut">
               <a:rPr lang="en-US" smtClean="0"/>
-              <a:t>3/5/2016</a:t>
+              <a:t>3/29/2016</a:t>
             </a:fld>
             <a:endParaRPr lang="en-US"/>
           </a:p>
@@ -1059,7 +1060,7 @@
           <a:p>
             <a:fld id="{8136B1A2-BD48-40D0-8ACE-0BC0EB70CE80}" type="datetimeFigureOut">
               <a:rPr lang="en-US" smtClean="0"/>
-              <a:t>3/5/2016</a:t>
+              <a:t>3/29/2016</a:t>
             </a:fld>
             <a:endParaRPr lang="en-US"/>
           </a:p>
@@ -1347,7 +1348,7 @@
           <a:p>
             <a:fld id="{8136B1A2-BD48-40D0-8ACE-0BC0EB70CE80}" type="datetimeFigureOut">
               <a:rPr lang="en-US" smtClean="0"/>
-              <a:t>3/5/2016</a:t>
+              <a:t>3/29/2016</a:t>
             </a:fld>
             <a:endParaRPr lang="en-US"/>
           </a:p>
@@ -1769,7 +1770,7 @@
           <a:p>
             <a:fld id="{8136B1A2-BD48-40D0-8ACE-0BC0EB70CE80}" type="datetimeFigureOut">
               <a:rPr lang="en-US" smtClean="0"/>
-              <a:t>3/5/2016</a:t>
+              <a:t>3/29/2016</a:t>
             </a:fld>
             <a:endParaRPr lang="en-US"/>
           </a:p>
@@ -1887,7 +1888,7 @@
           <a:p>
             <a:fld id="{8136B1A2-BD48-40D0-8ACE-0BC0EB70CE80}" type="datetimeFigureOut">
               <a:rPr lang="en-US" smtClean="0"/>
-              <a:t>3/5/2016</a:t>
+              <a:t>3/29/2016</a:t>
             </a:fld>
             <a:endParaRPr lang="en-US"/>
           </a:p>
@@ -1982,7 +1983,7 @@
           <a:p>
             <a:fld id="{8136B1A2-BD48-40D0-8ACE-0BC0EB70CE80}" type="datetimeFigureOut">
               <a:rPr lang="en-US" smtClean="0"/>
-              <a:t>3/5/2016</a:t>
+              <a:t>3/29/2016</a:t>
             </a:fld>
             <a:endParaRPr lang="en-US"/>
           </a:p>
@@ -2259,7 +2260,7 @@
           <a:p>
             <a:fld id="{8136B1A2-BD48-40D0-8ACE-0BC0EB70CE80}" type="datetimeFigureOut">
               <a:rPr lang="en-US" smtClean="0"/>
-              <a:t>3/5/2016</a:t>
+              <a:t>3/29/2016</a:t>
             </a:fld>
             <a:endParaRPr lang="en-US"/>
           </a:p>
@@ -2512,7 +2513,7 @@
           <a:p>
             <a:fld id="{8136B1A2-BD48-40D0-8ACE-0BC0EB70CE80}" type="datetimeFigureOut">
               <a:rPr lang="en-US" smtClean="0"/>
-              <a:t>3/5/2016</a:t>
+              <a:t>3/29/2016</a:t>
             </a:fld>
             <a:endParaRPr lang="en-US"/>
           </a:p>
@@ -2725,7 +2726,7 @@
           <a:p>
             <a:fld id="{8136B1A2-BD48-40D0-8ACE-0BC0EB70CE80}" type="datetimeFigureOut">
               <a:rPr lang="en-US" smtClean="0"/>
-              <a:t>3/5/2016</a:t>
+              <a:t>3/29/2016</a:t>
             </a:fld>
             <a:endParaRPr lang="en-US"/>
           </a:p>
@@ -3401,936 +3402,69 @@
       </p:grpSpPr>
       <p:sp>
         <p:nvSpPr>
-          <p:cNvPr id="4" name="Flowchart: Process 3"/>
-          <p:cNvSpPr/>
-          <p:nvPr/>
-        </p:nvSpPr>
-        <p:spPr>
-          <a:xfrm>
-            <a:off x="3124200" y="838200"/>
-            <a:ext cx="5486400" cy="2590800"/>
-          </a:xfrm>
-          <a:prstGeom prst="flowChartProcess">
-            <a:avLst/>
-          </a:prstGeom>
-        </p:spPr>
-        <p:style>
-          <a:lnRef idx="1">
-            <a:schemeClr val="accent1"/>
-          </a:lnRef>
-          <a:fillRef idx="2">
-            <a:schemeClr val="accent1"/>
-          </a:fillRef>
-          <a:effectRef idx="1">
-            <a:schemeClr val="accent1"/>
-          </a:effectRef>
-          <a:fontRef idx="minor">
-            <a:schemeClr val="dk1"/>
-          </a:fontRef>
-        </p:style>
-        <p:txBody>
-          <a:bodyPr rtlCol="0" anchor="b"/>
-          <a:lstStyle/>
-          <a:p>
-            <a:pPr algn="ctr"/>
+          <p:cNvPr id="5" name="TextBox 4"/>
+          <p:cNvSpPr txBox="1"/>
+          <p:nvPr/>
+        </p:nvSpPr>
+        <p:spPr>
+          <a:xfrm>
+            <a:off x="6934200" y="6400800"/>
+            <a:ext cx="1620957" cy="369332"/>
+          </a:xfrm>
+          <a:prstGeom prst="rect">
+            <a:avLst/>
+          </a:prstGeom>
+          <a:noFill/>
+        </p:spPr>
+        <p:txBody>
+          <a:bodyPr wrap="none" rtlCol="0">
+            <a:spAutoFit/>
+          </a:bodyPr>
+          <a:lstStyle/>
+          <a:p>
             <a:r>
               <a:rPr lang="en-US" smtClean="0">
                 <a:latin typeface="Helvetica" panose="020B0604020202030204" pitchFamily="34" charset="0"/>
               </a:rPr>
-              <a:t>Spark Cluster</a:t>
-            </a:r>
-            <a:endParaRPr lang="en-US">
-              <a:latin typeface="Helvetica" panose="020B0604020202030204" pitchFamily="34" charset="0"/>
-            </a:endParaRPr>
-          </a:p>
-        </p:txBody>
-      </p:sp>
-      <p:sp>
-        <p:nvSpPr>
-          <p:cNvPr id="7" name="Flowchart: Process 6"/>
-          <p:cNvSpPr/>
-          <p:nvPr/>
-        </p:nvSpPr>
-        <p:spPr>
-          <a:xfrm>
-            <a:off x="3124200" y="1676400"/>
-            <a:ext cx="1295400" cy="762000"/>
-          </a:xfrm>
-          <a:prstGeom prst="flowChartProcess">
-            <a:avLst/>
-          </a:prstGeom>
-        </p:spPr>
-        <p:style>
-          <a:lnRef idx="1">
-            <a:schemeClr val="dk1"/>
-          </a:lnRef>
-          <a:fillRef idx="2">
-            <a:schemeClr val="dk1"/>
-          </a:fillRef>
-          <a:effectRef idx="1">
-            <a:schemeClr val="dk1"/>
-          </a:effectRef>
-          <a:fontRef idx="minor">
-            <a:schemeClr val="dk1"/>
-          </a:fontRef>
-        </p:style>
-        <p:txBody>
-          <a:bodyPr rot="0" spcFirstLastPara="0" vertOverflow="overflow" horzOverflow="overflow" vert="horz" wrap="square" lIns="91440" tIns="45720" rIns="91440" bIns="45720" numCol="1" spcCol="0" rtlCol="0" fromWordArt="0" anchor="ctr" anchorCtr="0" forceAA="0" compatLnSpc="1">
-            <a:prstTxWarp prst="textNoShape">
-              <a:avLst/>
-            </a:prstTxWarp>
-            <a:noAutofit/>
-          </a:bodyPr>
-          <a:lstStyle/>
-          <a:p>
-            <a:pPr algn="ctr"/>
-            <a:r>
-              <a:rPr lang="en-US" smtClean="0">
-                <a:latin typeface="Helvetica" panose="020B0604020202030204" pitchFamily="34" charset="0"/>
-              </a:rPr>
-              <a:t>Cluster Manager</a:t>
-            </a:r>
-          </a:p>
-        </p:txBody>
-      </p:sp>
-      <p:sp>
-        <p:nvSpPr>
-          <p:cNvPr id="8" name="Flowchart: Process 7"/>
-          <p:cNvSpPr/>
-          <p:nvPr/>
-        </p:nvSpPr>
-        <p:spPr>
-          <a:xfrm>
-            <a:off x="5715000" y="1066800"/>
-            <a:ext cx="2743200" cy="762000"/>
-          </a:xfrm>
-          <a:prstGeom prst="flowChartProcess">
-            <a:avLst/>
-          </a:prstGeom>
-        </p:spPr>
-        <p:style>
-          <a:lnRef idx="1">
-            <a:schemeClr val="dk1"/>
-          </a:lnRef>
-          <a:fillRef idx="2">
-            <a:schemeClr val="dk1"/>
-          </a:fillRef>
-          <a:effectRef idx="1">
-            <a:schemeClr val="dk1"/>
-          </a:effectRef>
-          <a:fontRef idx="minor">
-            <a:schemeClr val="dk1"/>
-          </a:fontRef>
-        </p:style>
-        <p:txBody>
-          <a:bodyPr rot="0" spcFirstLastPara="0" vertOverflow="overflow" horzOverflow="overflow" vert="horz" wrap="square" lIns="91440" tIns="45720" rIns="91440" bIns="45720" numCol="1" spcCol="0" rtlCol="0" fromWordArt="0" anchor="ctr" anchorCtr="0" forceAA="0" compatLnSpc="1">
-            <a:prstTxWarp prst="textNoShape">
-              <a:avLst/>
-            </a:prstTxWarp>
-            <a:noAutofit/>
-          </a:bodyPr>
-          <a:lstStyle/>
-          <a:p>
-            <a:pPr algn="r"/>
-            <a:r>
-              <a:rPr lang="en-US" smtClean="0">
-                <a:latin typeface="Helvetica" panose="020B0604020202030204" pitchFamily="34" charset="0"/>
-              </a:rPr>
-              <a:t>Worker 1</a:t>
-            </a:r>
-          </a:p>
-        </p:txBody>
-      </p:sp>
-      <p:sp>
-        <p:nvSpPr>
-          <p:cNvPr id="9" name="Flowchart: Process 8"/>
-          <p:cNvSpPr/>
-          <p:nvPr/>
-        </p:nvSpPr>
-        <p:spPr>
-          <a:xfrm>
-            <a:off x="5715000" y="2286000"/>
-            <a:ext cx="2743200" cy="762000"/>
-          </a:xfrm>
-          <a:prstGeom prst="flowChartProcess">
-            <a:avLst/>
-          </a:prstGeom>
-        </p:spPr>
-        <p:style>
-          <a:lnRef idx="1">
-            <a:schemeClr val="dk1"/>
-          </a:lnRef>
-          <a:fillRef idx="2">
-            <a:schemeClr val="dk1"/>
-          </a:fillRef>
-          <a:effectRef idx="1">
-            <a:schemeClr val="dk1"/>
-          </a:effectRef>
-          <a:fontRef idx="minor">
-            <a:schemeClr val="dk1"/>
-          </a:fontRef>
-        </p:style>
-        <p:txBody>
-          <a:bodyPr rot="0" spcFirstLastPara="0" vertOverflow="overflow" horzOverflow="overflow" vert="horz" wrap="square" lIns="91440" tIns="45720" rIns="91440" bIns="45720" numCol="1" spcCol="0" rtlCol="0" fromWordArt="0" anchor="ctr" anchorCtr="0" forceAA="0" compatLnSpc="1">
-            <a:prstTxWarp prst="textNoShape">
-              <a:avLst/>
-            </a:prstTxWarp>
-            <a:noAutofit/>
-          </a:bodyPr>
-          <a:lstStyle/>
-          <a:p>
-            <a:pPr algn="r"/>
-            <a:r>
-              <a:rPr lang="en-US" smtClean="0">
-                <a:latin typeface="Helvetica" panose="020B0604020202030204" pitchFamily="34" charset="0"/>
-              </a:rPr>
-              <a:t>Worker n</a:t>
-            </a:r>
-          </a:p>
-        </p:txBody>
-      </p:sp>
-      <p:sp>
-        <p:nvSpPr>
-          <p:cNvPr id="10" name="Flowchart: Process 9"/>
-          <p:cNvSpPr/>
-          <p:nvPr/>
-        </p:nvSpPr>
-        <p:spPr>
-          <a:xfrm>
-            <a:off x="5791200" y="1295400"/>
-            <a:ext cx="1295400" cy="457200"/>
-          </a:xfrm>
-          <a:prstGeom prst="flowChartProcess">
-            <a:avLst/>
-          </a:prstGeom>
-          <a:ln w="9525"/>
-        </p:spPr>
-        <p:style>
-          <a:lnRef idx="2">
-            <a:schemeClr val="dk1"/>
-          </a:lnRef>
-          <a:fillRef idx="1">
-            <a:schemeClr val="lt1"/>
-          </a:fillRef>
-          <a:effectRef idx="0">
-            <a:schemeClr val="dk1"/>
-          </a:effectRef>
-          <a:fontRef idx="minor">
-            <a:schemeClr val="dk1"/>
-          </a:fontRef>
-        </p:style>
-        <p:txBody>
-          <a:bodyPr rot="0" spcFirstLastPara="0" vertOverflow="overflow" horzOverflow="overflow" vert="horz" wrap="square" lIns="91440" tIns="45720" rIns="91440" bIns="45720" numCol="1" spcCol="0" rtlCol="0" fromWordArt="0" anchor="ctr" anchorCtr="0" forceAA="0" compatLnSpc="1">
-            <a:prstTxWarp prst="textNoShape">
-              <a:avLst/>
-            </a:prstTxWarp>
-            <a:noAutofit/>
-          </a:bodyPr>
-          <a:lstStyle/>
-          <a:p>
-            <a:pPr algn="ctr"/>
-            <a:r>
-              <a:rPr lang="en-US" sz="1400" smtClean="0">
-                <a:latin typeface="Helvetica" panose="020B0604020202030204" pitchFamily="34" charset="0"/>
-              </a:rPr>
-              <a:t>Executor</a:t>
-            </a:r>
-          </a:p>
-        </p:txBody>
-      </p:sp>
-      <p:sp>
-        <p:nvSpPr>
-          <p:cNvPr id="11" name="Flowchart: Process 10"/>
-          <p:cNvSpPr/>
-          <p:nvPr/>
-        </p:nvSpPr>
-        <p:spPr>
-          <a:xfrm>
-            <a:off x="5791200" y="2362200"/>
-            <a:ext cx="1295400" cy="457200"/>
-          </a:xfrm>
-          <a:prstGeom prst="flowChartProcess">
-            <a:avLst/>
-          </a:prstGeom>
-          <a:ln w="9525"/>
-        </p:spPr>
-        <p:style>
-          <a:lnRef idx="2">
-            <a:schemeClr val="dk1"/>
-          </a:lnRef>
-          <a:fillRef idx="1">
-            <a:schemeClr val="lt1"/>
-          </a:fillRef>
-          <a:effectRef idx="0">
-            <a:schemeClr val="dk1"/>
-          </a:effectRef>
-          <a:fontRef idx="minor">
-            <a:schemeClr val="dk1"/>
-          </a:fontRef>
-        </p:style>
-        <p:txBody>
-          <a:bodyPr rot="0" spcFirstLastPara="0" vertOverflow="overflow" horzOverflow="overflow" vert="horz" wrap="square" lIns="91440" tIns="45720" rIns="91440" bIns="45720" numCol="1" spcCol="0" rtlCol="0" fromWordArt="0" anchor="ctr" anchorCtr="0" forceAA="0" compatLnSpc="1">
-            <a:prstTxWarp prst="textNoShape">
-              <a:avLst/>
-            </a:prstTxWarp>
-            <a:noAutofit/>
-          </a:bodyPr>
-          <a:lstStyle/>
-          <a:p>
-            <a:pPr algn="ctr"/>
-            <a:r>
-              <a:rPr lang="en-US" sz="1400" smtClean="0">
-                <a:latin typeface="Helvetica" panose="020B0604020202030204" pitchFamily="34" charset="0"/>
-              </a:rPr>
-              <a:t>Executor</a:t>
-            </a:r>
-          </a:p>
-        </p:txBody>
-      </p:sp>
-      <p:cxnSp>
-        <p:nvCxnSpPr>
-          <p:cNvPr id="13" name="Straight Arrow Connector 12"/>
-          <p:cNvCxnSpPr/>
-          <p:nvPr/>
-        </p:nvCxnSpPr>
-        <p:spPr>
-          <a:xfrm>
-            <a:off x="4419600" y="1752600"/>
-            <a:ext cx="1295400" cy="0"/>
-          </a:xfrm>
-          <a:prstGeom prst="straightConnector1">
-            <a:avLst/>
-          </a:prstGeom>
-          <a:ln w="12700">
-            <a:tailEnd type="arrow"/>
-          </a:ln>
-        </p:spPr>
-        <p:style>
-          <a:lnRef idx="2">
-            <a:schemeClr val="dk1"/>
-          </a:lnRef>
-          <a:fillRef idx="0">
-            <a:schemeClr val="dk1"/>
-          </a:fillRef>
-          <a:effectRef idx="1">
-            <a:schemeClr val="dk1"/>
-          </a:effectRef>
-          <a:fontRef idx="minor">
-            <a:schemeClr val="tx1"/>
-          </a:fontRef>
-        </p:style>
-      </p:cxnSp>
-      <p:cxnSp>
-        <p:nvCxnSpPr>
-          <p:cNvPr id="15" name="Straight Arrow Connector 14"/>
-          <p:cNvCxnSpPr/>
-          <p:nvPr/>
-        </p:nvCxnSpPr>
-        <p:spPr>
-          <a:xfrm>
-            <a:off x="4419600" y="2362200"/>
-            <a:ext cx="1295400" cy="0"/>
-          </a:xfrm>
-          <a:prstGeom prst="straightConnector1">
-            <a:avLst/>
-          </a:prstGeom>
-          <a:ln w="12700">
-            <a:tailEnd type="arrow"/>
-          </a:ln>
-        </p:spPr>
-        <p:style>
-          <a:lnRef idx="2">
-            <a:schemeClr val="dk1"/>
-          </a:lnRef>
-          <a:fillRef idx="0">
-            <a:schemeClr val="dk1"/>
-          </a:fillRef>
-          <a:effectRef idx="1">
-            <a:schemeClr val="dk1"/>
-          </a:effectRef>
-          <a:fontRef idx="minor">
-            <a:schemeClr val="tx1"/>
-          </a:fontRef>
-        </p:style>
-      </p:cxnSp>
-      <p:cxnSp>
-        <p:nvCxnSpPr>
-          <p:cNvPr id="17" name="Straight Arrow Connector 16"/>
-          <p:cNvCxnSpPr>
-            <a:stCxn id="28" idx="3"/>
-            <a:endCxn id="7" idx="1"/>
-          </p:cNvCxnSpPr>
-          <p:nvPr/>
-        </p:nvCxnSpPr>
-        <p:spPr>
-          <a:xfrm>
-            <a:off x="2438400" y="2057400"/>
-            <a:ext cx="685800" cy="0"/>
-          </a:xfrm>
-          <a:prstGeom prst="straightConnector1">
-            <a:avLst/>
-          </a:prstGeom>
-          <a:ln w="12700">
-            <a:tailEnd type="arrow"/>
-          </a:ln>
-        </p:spPr>
-        <p:style>
-          <a:lnRef idx="2">
-            <a:schemeClr val="dk1"/>
-          </a:lnRef>
-          <a:fillRef idx="0">
-            <a:schemeClr val="dk1"/>
-          </a:fillRef>
-          <a:effectRef idx="1">
-            <a:schemeClr val="dk1"/>
-          </a:effectRef>
-          <a:fontRef idx="minor">
-            <a:schemeClr val="tx1"/>
-          </a:fontRef>
-        </p:style>
-      </p:cxnSp>
-      <p:sp>
-        <p:nvSpPr>
-          <p:cNvPr id="23" name="TextBox 22"/>
-          <p:cNvSpPr txBox="1"/>
-          <p:nvPr/>
-        </p:nvSpPr>
-        <p:spPr>
-          <a:xfrm>
-            <a:off x="2362200" y="1828800"/>
-            <a:ext cx="431528" cy="276999"/>
+              <a:t>spark-nutshell</a:t>
+            </a:r>
+          </a:p>
+        </p:txBody>
+      </p:sp>
+      <p:pic>
+        <p:nvPicPr>
+          <p:cNvPr id="2" name="Picture 1"/>
+          <p:cNvPicPr>
+            <a:picLocks noChangeAspect="1"/>
+          </p:cNvPicPr>
+          <p:nvPr/>
+        </p:nvPicPr>
+        <p:blipFill>
+          <a:blip r:embed="rId2">
+            <a:extLst>
+              <a:ext uri="{28A0092B-C50C-407E-A947-70E740481C1C}">
+                <a14:useLocalDpi xmlns:a14="http://schemas.microsoft.com/office/drawing/2010/main" val="0"/>
+              </a:ext>
+            </a:extLst>
+          </a:blip>
+          <a:stretch>
+            <a:fillRect/>
+          </a:stretch>
+        </p:blipFill>
+        <p:spPr>
+          <a:xfrm>
+            <a:off x="914400" y="457200"/>
+            <a:ext cx="7143750" cy="3200400"/>
           </a:xfrm>
           <a:prstGeom prst="rect">
             <a:avLst/>
           </a:prstGeom>
-          <a:noFill/>
-        </p:spPr>
-        <p:txBody>
-          <a:bodyPr wrap="none" rtlCol="0">
-            <a:spAutoFit/>
-          </a:bodyPr>
-          <a:lstStyle/>
-          <a:p>
-            <a:r>
-              <a:rPr lang="en-US" sz="1200" smtClean="0">
-                <a:latin typeface="Helvetica" panose="020B0604020202030204" pitchFamily="34" charset="0"/>
-              </a:rPr>
-              <a:t>Job</a:t>
-            </a:r>
-            <a:endParaRPr lang="en-US" sz="1200">
-              <a:latin typeface="Helvetica" panose="020B0604020202030204" pitchFamily="34" charset="0"/>
-            </a:endParaRPr>
-          </a:p>
-        </p:txBody>
-      </p:sp>
-      <p:sp>
-        <p:nvSpPr>
-          <p:cNvPr id="24" name="TextBox 23"/>
-          <p:cNvSpPr txBox="1"/>
-          <p:nvPr/>
-        </p:nvSpPr>
-        <p:spPr>
-          <a:xfrm>
-            <a:off x="4343400" y="1524000"/>
-            <a:ext cx="595035" cy="276999"/>
-          </a:xfrm>
-          <a:prstGeom prst="rect">
-            <a:avLst/>
-          </a:prstGeom>
-          <a:noFill/>
-        </p:spPr>
-        <p:txBody>
-          <a:bodyPr wrap="none" rtlCol="0">
-            <a:spAutoFit/>
-          </a:bodyPr>
-          <a:lstStyle/>
-          <a:p>
-            <a:r>
-              <a:rPr lang="en-US" sz="1200" smtClean="0">
-                <a:latin typeface="Helvetica" panose="020B0604020202030204" pitchFamily="34" charset="0"/>
-              </a:rPr>
-              <a:t>Tasks</a:t>
-            </a:r>
-            <a:endParaRPr lang="en-US" sz="1200">
-              <a:latin typeface="Helvetica" panose="020B0604020202030204" pitchFamily="34" charset="0"/>
-            </a:endParaRPr>
-          </a:p>
-        </p:txBody>
-      </p:sp>
-      <p:sp>
-        <p:nvSpPr>
-          <p:cNvPr id="25" name="TextBox 24"/>
-          <p:cNvSpPr txBox="1"/>
-          <p:nvPr/>
-        </p:nvSpPr>
-        <p:spPr>
-          <a:xfrm>
-            <a:off x="4343400" y="2085201"/>
-            <a:ext cx="595035" cy="276999"/>
-          </a:xfrm>
-          <a:prstGeom prst="rect">
-            <a:avLst/>
-          </a:prstGeom>
-          <a:noFill/>
-        </p:spPr>
-        <p:txBody>
-          <a:bodyPr wrap="none" rtlCol="0">
-            <a:spAutoFit/>
-          </a:bodyPr>
-          <a:lstStyle/>
-          <a:p>
-            <a:r>
-              <a:rPr lang="en-US" sz="1200" smtClean="0">
-                <a:latin typeface="Helvetica" panose="020B0604020202030204" pitchFamily="34" charset="0"/>
-              </a:rPr>
-              <a:t>Tasks</a:t>
-            </a:r>
-            <a:endParaRPr lang="en-US" sz="1200">
-              <a:latin typeface="Helvetica" panose="020B0604020202030204" pitchFamily="34" charset="0"/>
-            </a:endParaRPr>
-          </a:p>
-        </p:txBody>
-      </p:sp>
-      <p:cxnSp>
-        <p:nvCxnSpPr>
-          <p:cNvPr id="27" name="Elbow Connector 26"/>
-          <p:cNvCxnSpPr>
-            <a:stCxn id="8" idx="1"/>
-            <a:endCxn id="7" idx="0"/>
-          </p:cNvCxnSpPr>
-          <p:nvPr/>
-        </p:nvCxnSpPr>
-        <p:spPr>
-          <a:xfrm rot="10800000" flipV="1">
-            <a:off x="3771900" y="1447800"/>
-            <a:ext cx="1943100" cy="228600"/>
-          </a:xfrm>
-          <a:prstGeom prst="bentConnector2">
-            <a:avLst/>
-          </a:prstGeom>
-          <a:ln w="12700">
-            <a:tailEnd type="arrow"/>
-          </a:ln>
-        </p:spPr>
-        <p:style>
-          <a:lnRef idx="2">
-            <a:schemeClr val="dk1"/>
-          </a:lnRef>
-          <a:fillRef idx="0">
-            <a:schemeClr val="dk1"/>
-          </a:fillRef>
-          <a:effectRef idx="1">
-            <a:schemeClr val="dk1"/>
-          </a:effectRef>
-          <a:fontRef idx="minor">
-            <a:schemeClr val="tx1"/>
-          </a:fontRef>
-        </p:style>
-      </p:cxnSp>
-      <p:cxnSp>
-        <p:nvCxnSpPr>
-          <p:cNvPr id="29" name="Elbow Connector 28"/>
-          <p:cNvCxnSpPr>
-            <a:stCxn id="9" idx="1"/>
-            <a:endCxn id="7" idx="2"/>
-          </p:cNvCxnSpPr>
-          <p:nvPr/>
-        </p:nvCxnSpPr>
-        <p:spPr>
-          <a:xfrm rot="10800000">
-            <a:off x="3771900" y="2438400"/>
-            <a:ext cx="1943100" cy="228600"/>
-          </a:xfrm>
-          <a:prstGeom prst="bentConnector2">
-            <a:avLst/>
-          </a:prstGeom>
-          <a:ln w="12700">
-            <a:tailEnd type="arrow"/>
-          </a:ln>
-        </p:spPr>
-        <p:style>
-          <a:lnRef idx="2">
-            <a:schemeClr val="dk1"/>
-          </a:lnRef>
-          <a:fillRef idx="0">
-            <a:schemeClr val="dk1"/>
-          </a:fillRef>
-          <a:effectRef idx="1">
-            <a:schemeClr val="dk1"/>
-          </a:effectRef>
-          <a:fontRef idx="minor">
-            <a:schemeClr val="tx1"/>
-          </a:fontRef>
-        </p:style>
-      </p:cxnSp>
-      <p:sp>
-        <p:nvSpPr>
-          <p:cNvPr id="31" name="TextBox 30"/>
-          <p:cNvSpPr txBox="1"/>
-          <p:nvPr/>
-        </p:nvSpPr>
-        <p:spPr>
-          <a:xfrm>
-            <a:off x="5105400" y="1219200"/>
-            <a:ext cx="620683" cy="276999"/>
-          </a:xfrm>
-          <a:prstGeom prst="rect">
-            <a:avLst/>
-          </a:prstGeom>
-          <a:noFill/>
-        </p:spPr>
-        <p:txBody>
-          <a:bodyPr wrap="none" rtlCol="0">
-            <a:spAutoFit/>
-          </a:bodyPr>
-          <a:lstStyle/>
-          <a:p>
-            <a:r>
-              <a:rPr lang="en-US" sz="1200" smtClean="0">
-                <a:latin typeface="Helvetica" panose="020B0604020202030204" pitchFamily="34" charset="0"/>
-              </a:rPr>
-              <a:t>Status</a:t>
-            </a:r>
-            <a:endParaRPr lang="en-US" sz="1200">
-              <a:latin typeface="Helvetica" panose="020B0604020202030204" pitchFamily="34" charset="0"/>
-            </a:endParaRPr>
-          </a:p>
-        </p:txBody>
-      </p:sp>
-      <p:sp>
-        <p:nvSpPr>
-          <p:cNvPr id="32" name="TextBox 31"/>
-          <p:cNvSpPr txBox="1"/>
-          <p:nvPr/>
-        </p:nvSpPr>
-        <p:spPr>
-          <a:xfrm>
-            <a:off x="5105400" y="2438400"/>
-            <a:ext cx="620683" cy="276999"/>
-          </a:xfrm>
-          <a:prstGeom prst="rect">
-            <a:avLst/>
-          </a:prstGeom>
-          <a:noFill/>
-        </p:spPr>
-        <p:txBody>
-          <a:bodyPr wrap="none" rtlCol="0">
-            <a:spAutoFit/>
-          </a:bodyPr>
-          <a:lstStyle/>
-          <a:p>
-            <a:r>
-              <a:rPr lang="en-US" sz="1200" smtClean="0">
-                <a:latin typeface="Helvetica" panose="020B0604020202030204" pitchFamily="34" charset="0"/>
-              </a:rPr>
-              <a:t>Status</a:t>
-            </a:r>
-            <a:endParaRPr lang="en-US" sz="1200">
-              <a:latin typeface="Helvetica" panose="020B0604020202030204" pitchFamily="34" charset="0"/>
-            </a:endParaRPr>
-          </a:p>
-        </p:txBody>
-      </p:sp>
-      <p:sp>
-        <p:nvSpPr>
-          <p:cNvPr id="36" name="TextBox 35"/>
-          <p:cNvSpPr txBox="1"/>
-          <p:nvPr/>
-        </p:nvSpPr>
-        <p:spPr>
-          <a:xfrm>
-            <a:off x="5095920" y="2743200"/>
-            <a:ext cx="619080" cy="276999"/>
-          </a:xfrm>
-          <a:prstGeom prst="rect">
-            <a:avLst/>
-          </a:prstGeom>
-          <a:noFill/>
-        </p:spPr>
-        <p:txBody>
-          <a:bodyPr wrap="none" rtlCol="0">
-            <a:spAutoFit/>
-          </a:bodyPr>
-          <a:lstStyle/>
-          <a:p>
-            <a:r>
-              <a:rPr lang="en-US" sz="1200" smtClean="0">
-                <a:latin typeface="Helvetica" panose="020B0604020202030204" pitchFamily="34" charset="0"/>
-              </a:rPr>
-              <a:t>Result</a:t>
-            </a:r>
-            <a:endParaRPr lang="en-US" sz="1200">
-              <a:latin typeface="Helvetica" panose="020B0604020202030204" pitchFamily="34" charset="0"/>
-            </a:endParaRPr>
-          </a:p>
-        </p:txBody>
-      </p:sp>
-      <p:sp>
-        <p:nvSpPr>
-          <p:cNvPr id="37" name="TextBox 36"/>
-          <p:cNvSpPr txBox="1"/>
-          <p:nvPr/>
-        </p:nvSpPr>
-        <p:spPr>
-          <a:xfrm>
-            <a:off x="5095920" y="914400"/>
-            <a:ext cx="619080" cy="276999"/>
-          </a:xfrm>
-          <a:prstGeom prst="rect">
-            <a:avLst/>
-          </a:prstGeom>
-          <a:noFill/>
-        </p:spPr>
-        <p:txBody>
-          <a:bodyPr wrap="none" rtlCol="0">
-            <a:spAutoFit/>
-          </a:bodyPr>
-          <a:lstStyle/>
-          <a:p>
-            <a:r>
-              <a:rPr lang="en-US" sz="1200" smtClean="0">
-                <a:latin typeface="Helvetica" panose="020B0604020202030204" pitchFamily="34" charset="0"/>
-              </a:rPr>
-              <a:t>Result</a:t>
-            </a:r>
-            <a:endParaRPr lang="en-US" sz="1200">
-              <a:latin typeface="Helvetica" panose="020B0604020202030204" pitchFamily="34" charset="0"/>
-            </a:endParaRPr>
-          </a:p>
-        </p:txBody>
-      </p:sp>
-      <p:sp>
-        <p:nvSpPr>
-          <p:cNvPr id="38" name="TextBox 37"/>
-          <p:cNvSpPr txBox="1"/>
-          <p:nvPr/>
-        </p:nvSpPr>
-        <p:spPr>
-          <a:xfrm>
-            <a:off x="6934200" y="6400800"/>
-            <a:ext cx="2069797" cy="369332"/>
-          </a:xfrm>
-          <a:prstGeom prst="rect">
-            <a:avLst/>
-          </a:prstGeom>
-          <a:noFill/>
-        </p:spPr>
-        <p:txBody>
-          <a:bodyPr wrap="none" rtlCol="0">
-            <a:spAutoFit/>
-          </a:bodyPr>
-          <a:lstStyle/>
-          <a:p>
-            <a:r>
-              <a:rPr lang="en-US" smtClean="0">
-                <a:latin typeface="Helvetica" panose="020B0604020202030204" pitchFamily="34" charset="0"/>
-              </a:rPr>
-              <a:t>managing-clusters</a:t>
-            </a:r>
-          </a:p>
-        </p:txBody>
-      </p:sp>
-      <p:sp>
-        <p:nvSpPr>
-          <p:cNvPr id="39" name="TextBox 38"/>
-          <p:cNvSpPr txBox="1"/>
-          <p:nvPr/>
-        </p:nvSpPr>
-        <p:spPr>
-          <a:xfrm>
-            <a:off x="7844135" y="1925107"/>
-            <a:ext cx="461665" cy="284693"/>
-          </a:xfrm>
-          <a:prstGeom prst="rect">
-            <a:avLst/>
-          </a:prstGeom>
-          <a:noFill/>
-        </p:spPr>
-        <p:txBody>
-          <a:bodyPr vert="vert" wrap="none" rtlCol="0">
-            <a:spAutoFit/>
-          </a:bodyPr>
-          <a:lstStyle/>
-          <a:p>
-            <a:r>
-              <a:rPr lang="en-US" b="1" smtClean="0">
-                <a:latin typeface="Helvetica" panose="020B0604020202030204" pitchFamily="34" charset="0"/>
-              </a:rPr>
-              <a:t>...</a:t>
-            </a:r>
-          </a:p>
-        </p:txBody>
-      </p:sp>
-      <p:sp>
-        <p:nvSpPr>
-          <p:cNvPr id="28" name="Flowchart: Process 27"/>
-          <p:cNvSpPr/>
-          <p:nvPr/>
-        </p:nvSpPr>
-        <p:spPr>
-          <a:xfrm>
-            <a:off x="76200" y="1676400"/>
-            <a:ext cx="2362200" cy="762000"/>
-          </a:xfrm>
-          <a:prstGeom prst="flowChartProcess">
-            <a:avLst/>
-          </a:prstGeom>
-        </p:spPr>
-        <p:style>
-          <a:lnRef idx="1">
-            <a:schemeClr val="dk1"/>
-          </a:lnRef>
-          <a:fillRef idx="2">
-            <a:schemeClr val="dk1"/>
-          </a:fillRef>
-          <a:effectRef idx="1">
-            <a:schemeClr val="dk1"/>
-          </a:effectRef>
-          <a:fontRef idx="minor">
-            <a:schemeClr val="dk1"/>
-          </a:fontRef>
-        </p:style>
-        <p:txBody>
-          <a:bodyPr rot="0" spcFirstLastPara="0" vertOverflow="overflow" horzOverflow="overflow" vert="horz" wrap="square" lIns="91440" tIns="45720" rIns="91440" bIns="45720" numCol="1" spcCol="0" rtlCol="0" fromWordArt="0" anchor="ctr" anchorCtr="0" forceAA="0" compatLnSpc="1">
-            <a:prstTxWarp prst="textNoShape">
-              <a:avLst/>
-            </a:prstTxWarp>
-            <a:noAutofit/>
-          </a:bodyPr>
-          <a:lstStyle/>
-          <a:p>
-            <a:r>
-              <a:rPr lang="en-US" smtClean="0">
-                <a:latin typeface="Helvetica" panose="020B0604020202030204" pitchFamily="34" charset="0"/>
-              </a:rPr>
-              <a:t>Driver</a:t>
-            </a:r>
-          </a:p>
-        </p:txBody>
-      </p:sp>
-      <p:sp>
-        <p:nvSpPr>
-          <p:cNvPr id="30" name="Flowchart: Process 29"/>
-          <p:cNvSpPr/>
-          <p:nvPr/>
-        </p:nvSpPr>
-        <p:spPr>
-          <a:xfrm>
-            <a:off x="914400" y="1828800"/>
-            <a:ext cx="1371600" cy="457200"/>
-          </a:xfrm>
-          <a:prstGeom prst="flowChartProcess">
-            <a:avLst/>
-          </a:prstGeom>
-          <a:ln w="9525"/>
-        </p:spPr>
-        <p:style>
-          <a:lnRef idx="2">
-            <a:schemeClr val="dk1"/>
-          </a:lnRef>
-          <a:fillRef idx="1">
-            <a:schemeClr val="lt1"/>
-          </a:fillRef>
-          <a:effectRef idx="0">
-            <a:schemeClr val="dk1"/>
-          </a:effectRef>
-          <a:fontRef idx="minor">
-            <a:schemeClr val="dk1"/>
-          </a:fontRef>
-        </p:style>
-        <p:txBody>
-          <a:bodyPr rot="0" spcFirstLastPara="0" vertOverflow="overflow" horzOverflow="overflow" vert="horz" wrap="square" lIns="91440" tIns="45720" rIns="91440" bIns="45720" numCol="1" spcCol="0" rtlCol="0" fromWordArt="0" anchor="ctr" anchorCtr="0" forceAA="0" compatLnSpc="1">
-            <a:prstTxWarp prst="textNoShape">
-              <a:avLst/>
-            </a:prstTxWarp>
-            <a:noAutofit/>
-          </a:bodyPr>
-          <a:lstStyle/>
-          <a:p>
-            <a:pPr algn="ctr"/>
-            <a:r>
-              <a:rPr lang="en-US" sz="1400" smtClean="0">
-                <a:latin typeface="Helvetica" panose="020B0604020202030204" pitchFamily="34" charset="0"/>
-              </a:rPr>
-              <a:t>Application</a:t>
-            </a:r>
-          </a:p>
-        </p:txBody>
-      </p:sp>
-      <p:cxnSp>
-        <p:nvCxnSpPr>
-          <p:cNvPr id="5" name="Elbow Connector 4"/>
-          <p:cNvCxnSpPr>
-            <a:endCxn id="28" idx="0"/>
-          </p:cNvCxnSpPr>
-          <p:nvPr/>
-        </p:nvCxnSpPr>
-        <p:spPr>
-          <a:xfrm rot="10800000" flipV="1">
-            <a:off x="1257300" y="1143000"/>
-            <a:ext cx="4457700" cy="533400"/>
-          </a:xfrm>
-          <a:prstGeom prst="bentConnector2">
-            <a:avLst/>
-          </a:prstGeom>
-          <a:ln w="12700">
-            <a:tailEnd type="arrow"/>
-          </a:ln>
-        </p:spPr>
-        <p:style>
-          <a:lnRef idx="2">
-            <a:schemeClr val="dk1"/>
-          </a:lnRef>
-          <a:fillRef idx="0">
-            <a:schemeClr val="dk1"/>
-          </a:fillRef>
-          <a:effectRef idx="1">
-            <a:schemeClr val="dk1"/>
-          </a:effectRef>
-          <a:fontRef idx="minor">
-            <a:schemeClr val="tx1"/>
-          </a:fontRef>
-        </p:style>
-      </p:cxnSp>
-      <p:cxnSp>
-        <p:nvCxnSpPr>
-          <p:cNvPr id="12" name="Elbow Connector 11"/>
-          <p:cNvCxnSpPr>
-            <a:endCxn id="28" idx="2"/>
-          </p:cNvCxnSpPr>
-          <p:nvPr/>
-        </p:nvCxnSpPr>
-        <p:spPr>
-          <a:xfrm rot="10800000">
-            <a:off x="1257300" y="2438400"/>
-            <a:ext cx="4457700" cy="533400"/>
-          </a:xfrm>
-          <a:prstGeom prst="bentConnector2">
-            <a:avLst/>
-          </a:prstGeom>
-          <a:ln w="12700">
-            <a:tailEnd type="arrow"/>
-          </a:ln>
-        </p:spPr>
-        <p:style>
-          <a:lnRef idx="2">
-            <a:schemeClr val="dk1"/>
-          </a:lnRef>
-          <a:fillRef idx="0">
-            <a:schemeClr val="dk1"/>
-          </a:fillRef>
-          <a:effectRef idx="1">
-            <a:schemeClr val="dk1"/>
-          </a:effectRef>
-          <a:fontRef idx="minor">
-            <a:schemeClr val="tx1"/>
-          </a:fontRef>
-        </p:style>
-      </p:cxnSp>
+        </p:spPr>
+      </p:pic>
     </p:spTree>
     <p:extLst>
       <p:ext uri="{BB962C8B-B14F-4D97-AF65-F5344CB8AC3E}">
-        <p14:creationId xmlns:p14="http://schemas.microsoft.com/office/powerpoint/2010/main" val="3177194930"/>
+        <p14:creationId xmlns:p14="http://schemas.microsoft.com/office/powerpoint/2010/main" val="580582882"/>
       </p:ext>
     </p:extLst>
   </p:cSld>
@@ -4359,45 +3493,14 @@
       </p:grpSpPr>
       <p:sp>
         <p:nvSpPr>
-          <p:cNvPr id="38" name="TextBox 37"/>
-          <p:cNvSpPr txBox="1"/>
-          <p:nvPr/>
-        </p:nvSpPr>
-        <p:spPr>
-          <a:xfrm>
-            <a:off x="6934200" y="6400800"/>
-            <a:ext cx="2069797" cy="369332"/>
-          </a:xfrm>
-          <a:prstGeom prst="rect">
-            <a:avLst/>
-          </a:prstGeom>
-          <a:noFill/>
-        </p:spPr>
-        <p:txBody>
-          <a:bodyPr wrap="none" rtlCol="0">
-            <a:spAutoFit/>
-          </a:bodyPr>
-          <a:lstStyle/>
-          <a:p>
-            <a:r>
-              <a:rPr lang="en-US" smtClean="0">
-                <a:latin typeface="Helvetica" panose="020B0604020202030204" pitchFamily="34" charset="0"/>
-              </a:rPr>
-              <a:t>managing-clusters</a:t>
-            </a:r>
-          </a:p>
-        </p:txBody>
-      </p:sp>
-      <p:sp>
-        <p:nvSpPr>
           <p:cNvPr id="4" name="Flowchart: Process 3"/>
           <p:cNvSpPr/>
           <p:nvPr/>
         </p:nvSpPr>
         <p:spPr>
           <a:xfrm>
-            <a:off x="2971800" y="533401"/>
-            <a:ext cx="2971800" cy="1295400"/>
+            <a:off x="3124200" y="838200"/>
+            <a:ext cx="5486400" cy="2590800"/>
           </a:xfrm>
           <a:prstGeom prst="flowChartProcess">
             <a:avLst/>
@@ -4422,6 +3525,995 @@
           <a:lstStyle/>
           <a:p>
             <a:pPr algn="ctr"/>
+            <a:r>
+              <a:rPr lang="en-US" smtClean="0">
+                <a:latin typeface="Helvetica" panose="020B0604020202030204" pitchFamily="34" charset="0"/>
+              </a:rPr>
+              <a:t>Spark Cluster</a:t>
+            </a:r>
+            <a:endParaRPr lang="en-US">
+              <a:latin typeface="Helvetica" panose="020B0604020202030204" pitchFamily="34" charset="0"/>
+            </a:endParaRPr>
+          </a:p>
+        </p:txBody>
+      </p:sp>
+      <p:sp>
+        <p:nvSpPr>
+          <p:cNvPr id="7" name="Flowchart: Process 6"/>
+          <p:cNvSpPr/>
+          <p:nvPr/>
+        </p:nvSpPr>
+        <p:spPr>
+          <a:xfrm>
+            <a:off x="3124200" y="1676400"/>
+            <a:ext cx="1295400" cy="762000"/>
+          </a:xfrm>
+          <a:prstGeom prst="flowChartProcess">
+            <a:avLst/>
+          </a:prstGeom>
+        </p:spPr>
+        <p:style>
+          <a:lnRef idx="1">
+            <a:schemeClr val="dk1"/>
+          </a:lnRef>
+          <a:fillRef idx="2">
+            <a:schemeClr val="dk1"/>
+          </a:fillRef>
+          <a:effectRef idx="1">
+            <a:schemeClr val="dk1"/>
+          </a:effectRef>
+          <a:fontRef idx="minor">
+            <a:schemeClr val="dk1"/>
+          </a:fontRef>
+        </p:style>
+        <p:txBody>
+          <a:bodyPr rot="0" spcFirstLastPara="0" vertOverflow="overflow" horzOverflow="overflow" vert="horz" wrap="square" lIns="91440" tIns="45720" rIns="91440" bIns="45720" numCol="1" spcCol="0" rtlCol="0" fromWordArt="0" anchor="ctr" anchorCtr="0" forceAA="0" compatLnSpc="1">
+            <a:prstTxWarp prst="textNoShape">
+              <a:avLst/>
+            </a:prstTxWarp>
+            <a:noAutofit/>
+          </a:bodyPr>
+          <a:lstStyle/>
+          <a:p>
+            <a:pPr algn="ctr"/>
+            <a:r>
+              <a:rPr lang="en-US" smtClean="0">
+                <a:latin typeface="Helvetica" panose="020B0604020202030204" pitchFamily="34" charset="0"/>
+              </a:rPr>
+              <a:t>Cluster Manager</a:t>
+            </a:r>
+          </a:p>
+        </p:txBody>
+      </p:sp>
+      <p:sp>
+        <p:nvSpPr>
+          <p:cNvPr id="8" name="Flowchart: Process 7"/>
+          <p:cNvSpPr/>
+          <p:nvPr/>
+        </p:nvSpPr>
+        <p:spPr>
+          <a:xfrm>
+            <a:off x="5715000" y="1066800"/>
+            <a:ext cx="2743200" cy="762000"/>
+          </a:xfrm>
+          <a:prstGeom prst="flowChartProcess">
+            <a:avLst/>
+          </a:prstGeom>
+        </p:spPr>
+        <p:style>
+          <a:lnRef idx="1">
+            <a:schemeClr val="dk1"/>
+          </a:lnRef>
+          <a:fillRef idx="2">
+            <a:schemeClr val="dk1"/>
+          </a:fillRef>
+          <a:effectRef idx="1">
+            <a:schemeClr val="dk1"/>
+          </a:effectRef>
+          <a:fontRef idx="minor">
+            <a:schemeClr val="dk1"/>
+          </a:fontRef>
+        </p:style>
+        <p:txBody>
+          <a:bodyPr rot="0" spcFirstLastPara="0" vertOverflow="overflow" horzOverflow="overflow" vert="horz" wrap="square" lIns="91440" tIns="45720" rIns="91440" bIns="45720" numCol="1" spcCol="0" rtlCol="0" fromWordArt="0" anchor="ctr" anchorCtr="0" forceAA="0" compatLnSpc="1">
+            <a:prstTxWarp prst="textNoShape">
+              <a:avLst/>
+            </a:prstTxWarp>
+            <a:noAutofit/>
+          </a:bodyPr>
+          <a:lstStyle/>
+          <a:p>
+            <a:pPr algn="r"/>
+            <a:r>
+              <a:rPr lang="en-US" smtClean="0">
+                <a:latin typeface="Helvetica" panose="020B0604020202030204" pitchFamily="34" charset="0"/>
+              </a:rPr>
+              <a:t>Worker 1</a:t>
+            </a:r>
+          </a:p>
+        </p:txBody>
+      </p:sp>
+      <p:sp>
+        <p:nvSpPr>
+          <p:cNvPr id="9" name="Flowchart: Process 8"/>
+          <p:cNvSpPr/>
+          <p:nvPr/>
+        </p:nvSpPr>
+        <p:spPr>
+          <a:xfrm>
+            <a:off x="5715000" y="2286000"/>
+            <a:ext cx="2743200" cy="762000"/>
+          </a:xfrm>
+          <a:prstGeom prst="flowChartProcess">
+            <a:avLst/>
+          </a:prstGeom>
+        </p:spPr>
+        <p:style>
+          <a:lnRef idx="1">
+            <a:schemeClr val="dk1"/>
+          </a:lnRef>
+          <a:fillRef idx="2">
+            <a:schemeClr val="dk1"/>
+          </a:fillRef>
+          <a:effectRef idx="1">
+            <a:schemeClr val="dk1"/>
+          </a:effectRef>
+          <a:fontRef idx="minor">
+            <a:schemeClr val="dk1"/>
+          </a:fontRef>
+        </p:style>
+        <p:txBody>
+          <a:bodyPr rot="0" spcFirstLastPara="0" vertOverflow="overflow" horzOverflow="overflow" vert="horz" wrap="square" lIns="91440" tIns="45720" rIns="91440" bIns="45720" numCol="1" spcCol="0" rtlCol="0" fromWordArt="0" anchor="ctr" anchorCtr="0" forceAA="0" compatLnSpc="1">
+            <a:prstTxWarp prst="textNoShape">
+              <a:avLst/>
+            </a:prstTxWarp>
+            <a:noAutofit/>
+          </a:bodyPr>
+          <a:lstStyle/>
+          <a:p>
+            <a:pPr algn="r"/>
+            <a:r>
+              <a:rPr lang="en-US" smtClean="0">
+                <a:latin typeface="Helvetica" panose="020B0604020202030204" pitchFamily="34" charset="0"/>
+              </a:rPr>
+              <a:t>Worker n</a:t>
+            </a:r>
+          </a:p>
+        </p:txBody>
+      </p:sp>
+      <p:sp>
+        <p:nvSpPr>
+          <p:cNvPr id="10" name="Flowchart: Process 9"/>
+          <p:cNvSpPr/>
+          <p:nvPr/>
+        </p:nvSpPr>
+        <p:spPr>
+          <a:xfrm>
+            <a:off x="5791200" y="1295400"/>
+            <a:ext cx="1295400" cy="457200"/>
+          </a:xfrm>
+          <a:prstGeom prst="flowChartProcess">
+            <a:avLst/>
+          </a:prstGeom>
+          <a:ln w="9525"/>
+        </p:spPr>
+        <p:style>
+          <a:lnRef idx="2">
+            <a:schemeClr val="dk1"/>
+          </a:lnRef>
+          <a:fillRef idx="1">
+            <a:schemeClr val="lt1"/>
+          </a:fillRef>
+          <a:effectRef idx="0">
+            <a:schemeClr val="dk1"/>
+          </a:effectRef>
+          <a:fontRef idx="minor">
+            <a:schemeClr val="dk1"/>
+          </a:fontRef>
+        </p:style>
+        <p:txBody>
+          <a:bodyPr rot="0" spcFirstLastPara="0" vertOverflow="overflow" horzOverflow="overflow" vert="horz" wrap="square" lIns="91440" tIns="45720" rIns="91440" bIns="45720" numCol="1" spcCol="0" rtlCol="0" fromWordArt="0" anchor="ctr" anchorCtr="0" forceAA="0" compatLnSpc="1">
+            <a:prstTxWarp prst="textNoShape">
+              <a:avLst/>
+            </a:prstTxWarp>
+            <a:noAutofit/>
+          </a:bodyPr>
+          <a:lstStyle/>
+          <a:p>
+            <a:pPr algn="ctr"/>
+            <a:r>
+              <a:rPr lang="en-US" sz="1400" smtClean="0">
+                <a:latin typeface="Helvetica" panose="020B0604020202030204" pitchFamily="34" charset="0"/>
+              </a:rPr>
+              <a:t>Executor</a:t>
+            </a:r>
+          </a:p>
+        </p:txBody>
+      </p:sp>
+      <p:sp>
+        <p:nvSpPr>
+          <p:cNvPr id="11" name="Flowchart: Process 10"/>
+          <p:cNvSpPr/>
+          <p:nvPr/>
+        </p:nvSpPr>
+        <p:spPr>
+          <a:xfrm>
+            <a:off x="5791200" y="2362200"/>
+            <a:ext cx="1295400" cy="457200"/>
+          </a:xfrm>
+          <a:prstGeom prst="flowChartProcess">
+            <a:avLst/>
+          </a:prstGeom>
+          <a:ln w="9525"/>
+        </p:spPr>
+        <p:style>
+          <a:lnRef idx="2">
+            <a:schemeClr val="dk1"/>
+          </a:lnRef>
+          <a:fillRef idx="1">
+            <a:schemeClr val="lt1"/>
+          </a:fillRef>
+          <a:effectRef idx="0">
+            <a:schemeClr val="dk1"/>
+          </a:effectRef>
+          <a:fontRef idx="minor">
+            <a:schemeClr val="dk1"/>
+          </a:fontRef>
+        </p:style>
+        <p:txBody>
+          <a:bodyPr rot="0" spcFirstLastPara="0" vertOverflow="overflow" horzOverflow="overflow" vert="horz" wrap="square" lIns="91440" tIns="45720" rIns="91440" bIns="45720" numCol="1" spcCol="0" rtlCol="0" fromWordArt="0" anchor="ctr" anchorCtr="0" forceAA="0" compatLnSpc="1">
+            <a:prstTxWarp prst="textNoShape">
+              <a:avLst/>
+            </a:prstTxWarp>
+            <a:noAutofit/>
+          </a:bodyPr>
+          <a:lstStyle/>
+          <a:p>
+            <a:pPr algn="ctr"/>
+            <a:r>
+              <a:rPr lang="en-US" sz="1400" smtClean="0">
+                <a:latin typeface="Helvetica" panose="020B0604020202030204" pitchFamily="34" charset="0"/>
+              </a:rPr>
+              <a:t>Executor</a:t>
+            </a:r>
+          </a:p>
+        </p:txBody>
+      </p:sp>
+      <p:cxnSp>
+        <p:nvCxnSpPr>
+          <p:cNvPr id="13" name="Straight Arrow Connector 12"/>
+          <p:cNvCxnSpPr/>
+          <p:nvPr/>
+        </p:nvCxnSpPr>
+        <p:spPr>
+          <a:xfrm>
+            <a:off x="4419600" y="1752600"/>
+            <a:ext cx="1295400" cy="0"/>
+          </a:xfrm>
+          <a:prstGeom prst="straightConnector1">
+            <a:avLst/>
+          </a:prstGeom>
+          <a:ln w="12700">
+            <a:tailEnd type="arrow"/>
+          </a:ln>
+        </p:spPr>
+        <p:style>
+          <a:lnRef idx="2">
+            <a:schemeClr val="dk1"/>
+          </a:lnRef>
+          <a:fillRef idx="0">
+            <a:schemeClr val="dk1"/>
+          </a:fillRef>
+          <a:effectRef idx="1">
+            <a:schemeClr val="dk1"/>
+          </a:effectRef>
+          <a:fontRef idx="minor">
+            <a:schemeClr val="tx1"/>
+          </a:fontRef>
+        </p:style>
+      </p:cxnSp>
+      <p:cxnSp>
+        <p:nvCxnSpPr>
+          <p:cNvPr id="15" name="Straight Arrow Connector 14"/>
+          <p:cNvCxnSpPr/>
+          <p:nvPr/>
+        </p:nvCxnSpPr>
+        <p:spPr>
+          <a:xfrm>
+            <a:off x="4419600" y="2362200"/>
+            <a:ext cx="1295400" cy="0"/>
+          </a:xfrm>
+          <a:prstGeom prst="straightConnector1">
+            <a:avLst/>
+          </a:prstGeom>
+          <a:ln w="12700">
+            <a:tailEnd type="arrow"/>
+          </a:ln>
+        </p:spPr>
+        <p:style>
+          <a:lnRef idx="2">
+            <a:schemeClr val="dk1"/>
+          </a:lnRef>
+          <a:fillRef idx="0">
+            <a:schemeClr val="dk1"/>
+          </a:fillRef>
+          <a:effectRef idx="1">
+            <a:schemeClr val="dk1"/>
+          </a:effectRef>
+          <a:fontRef idx="minor">
+            <a:schemeClr val="tx1"/>
+          </a:fontRef>
+        </p:style>
+      </p:cxnSp>
+      <p:cxnSp>
+        <p:nvCxnSpPr>
+          <p:cNvPr id="17" name="Straight Arrow Connector 16"/>
+          <p:cNvCxnSpPr>
+            <a:stCxn id="28" idx="3"/>
+            <a:endCxn id="7" idx="1"/>
+          </p:cNvCxnSpPr>
+          <p:nvPr/>
+        </p:nvCxnSpPr>
+        <p:spPr>
+          <a:xfrm>
+            <a:off x="2438400" y="2057400"/>
+            <a:ext cx="685800" cy="0"/>
+          </a:xfrm>
+          <a:prstGeom prst="straightConnector1">
+            <a:avLst/>
+          </a:prstGeom>
+          <a:ln w="12700">
+            <a:tailEnd type="arrow"/>
+          </a:ln>
+        </p:spPr>
+        <p:style>
+          <a:lnRef idx="2">
+            <a:schemeClr val="dk1"/>
+          </a:lnRef>
+          <a:fillRef idx="0">
+            <a:schemeClr val="dk1"/>
+          </a:fillRef>
+          <a:effectRef idx="1">
+            <a:schemeClr val="dk1"/>
+          </a:effectRef>
+          <a:fontRef idx="minor">
+            <a:schemeClr val="tx1"/>
+          </a:fontRef>
+        </p:style>
+      </p:cxnSp>
+      <p:sp>
+        <p:nvSpPr>
+          <p:cNvPr id="23" name="TextBox 22"/>
+          <p:cNvSpPr txBox="1"/>
+          <p:nvPr/>
+        </p:nvSpPr>
+        <p:spPr>
+          <a:xfrm>
+            <a:off x="2362200" y="1828800"/>
+            <a:ext cx="431528" cy="276999"/>
+          </a:xfrm>
+          <a:prstGeom prst="rect">
+            <a:avLst/>
+          </a:prstGeom>
+          <a:noFill/>
+        </p:spPr>
+        <p:txBody>
+          <a:bodyPr wrap="none" rtlCol="0">
+            <a:spAutoFit/>
+          </a:bodyPr>
+          <a:lstStyle/>
+          <a:p>
+            <a:r>
+              <a:rPr lang="en-US" sz="1200" smtClean="0">
+                <a:latin typeface="Helvetica" panose="020B0604020202030204" pitchFamily="34" charset="0"/>
+              </a:rPr>
+              <a:t>Job</a:t>
+            </a:r>
+            <a:endParaRPr lang="en-US" sz="1200">
+              <a:latin typeface="Helvetica" panose="020B0604020202030204" pitchFamily="34" charset="0"/>
+            </a:endParaRPr>
+          </a:p>
+        </p:txBody>
+      </p:sp>
+      <p:sp>
+        <p:nvSpPr>
+          <p:cNvPr id="24" name="TextBox 23"/>
+          <p:cNvSpPr txBox="1"/>
+          <p:nvPr/>
+        </p:nvSpPr>
+        <p:spPr>
+          <a:xfrm>
+            <a:off x="4343400" y="1524000"/>
+            <a:ext cx="595035" cy="276999"/>
+          </a:xfrm>
+          <a:prstGeom prst="rect">
+            <a:avLst/>
+          </a:prstGeom>
+          <a:noFill/>
+        </p:spPr>
+        <p:txBody>
+          <a:bodyPr wrap="none" rtlCol="0">
+            <a:spAutoFit/>
+          </a:bodyPr>
+          <a:lstStyle/>
+          <a:p>
+            <a:r>
+              <a:rPr lang="en-US" sz="1200" smtClean="0">
+                <a:latin typeface="Helvetica" panose="020B0604020202030204" pitchFamily="34" charset="0"/>
+              </a:rPr>
+              <a:t>Tasks</a:t>
+            </a:r>
+            <a:endParaRPr lang="en-US" sz="1200">
+              <a:latin typeface="Helvetica" panose="020B0604020202030204" pitchFamily="34" charset="0"/>
+            </a:endParaRPr>
+          </a:p>
+        </p:txBody>
+      </p:sp>
+      <p:sp>
+        <p:nvSpPr>
+          <p:cNvPr id="25" name="TextBox 24"/>
+          <p:cNvSpPr txBox="1"/>
+          <p:nvPr/>
+        </p:nvSpPr>
+        <p:spPr>
+          <a:xfrm>
+            <a:off x="4343400" y="2085201"/>
+            <a:ext cx="595035" cy="276999"/>
+          </a:xfrm>
+          <a:prstGeom prst="rect">
+            <a:avLst/>
+          </a:prstGeom>
+          <a:noFill/>
+        </p:spPr>
+        <p:txBody>
+          <a:bodyPr wrap="none" rtlCol="0">
+            <a:spAutoFit/>
+          </a:bodyPr>
+          <a:lstStyle/>
+          <a:p>
+            <a:r>
+              <a:rPr lang="en-US" sz="1200" smtClean="0">
+                <a:latin typeface="Helvetica" panose="020B0604020202030204" pitchFamily="34" charset="0"/>
+              </a:rPr>
+              <a:t>Tasks</a:t>
+            </a:r>
+            <a:endParaRPr lang="en-US" sz="1200">
+              <a:latin typeface="Helvetica" panose="020B0604020202030204" pitchFamily="34" charset="0"/>
+            </a:endParaRPr>
+          </a:p>
+        </p:txBody>
+      </p:sp>
+      <p:cxnSp>
+        <p:nvCxnSpPr>
+          <p:cNvPr id="27" name="Elbow Connector 26"/>
+          <p:cNvCxnSpPr>
+            <a:stCxn id="8" idx="1"/>
+            <a:endCxn id="7" idx="0"/>
+          </p:cNvCxnSpPr>
+          <p:nvPr/>
+        </p:nvCxnSpPr>
+        <p:spPr>
+          <a:xfrm rot="10800000" flipV="1">
+            <a:off x="3771900" y="1447800"/>
+            <a:ext cx="1943100" cy="228600"/>
+          </a:xfrm>
+          <a:prstGeom prst="bentConnector2">
+            <a:avLst/>
+          </a:prstGeom>
+          <a:ln w="12700">
+            <a:tailEnd type="arrow"/>
+          </a:ln>
+        </p:spPr>
+        <p:style>
+          <a:lnRef idx="2">
+            <a:schemeClr val="dk1"/>
+          </a:lnRef>
+          <a:fillRef idx="0">
+            <a:schemeClr val="dk1"/>
+          </a:fillRef>
+          <a:effectRef idx="1">
+            <a:schemeClr val="dk1"/>
+          </a:effectRef>
+          <a:fontRef idx="minor">
+            <a:schemeClr val="tx1"/>
+          </a:fontRef>
+        </p:style>
+      </p:cxnSp>
+      <p:cxnSp>
+        <p:nvCxnSpPr>
+          <p:cNvPr id="29" name="Elbow Connector 28"/>
+          <p:cNvCxnSpPr>
+            <a:stCxn id="9" idx="1"/>
+            <a:endCxn id="7" idx="2"/>
+          </p:cNvCxnSpPr>
+          <p:nvPr/>
+        </p:nvCxnSpPr>
+        <p:spPr>
+          <a:xfrm rot="10800000">
+            <a:off x="3771900" y="2438400"/>
+            <a:ext cx="1943100" cy="228600"/>
+          </a:xfrm>
+          <a:prstGeom prst="bentConnector2">
+            <a:avLst/>
+          </a:prstGeom>
+          <a:ln w="12700">
+            <a:tailEnd type="arrow"/>
+          </a:ln>
+        </p:spPr>
+        <p:style>
+          <a:lnRef idx="2">
+            <a:schemeClr val="dk1"/>
+          </a:lnRef>
+          <a:fillRef idx="0">
+            <a:schemeClr val="dk1"/>
+          </a:fillRef>
+          <a:effectRef idx="1">
+            <a:schemeClr val="dk1"/>
+          </a:effectRef>
+          <a:fontRef idx="minor">
+            <a:schemeClr val="tx1"/>
+          </a:fontRef>
+        </p:style>
+      </p:cxnSp>
+      <p:sp>
+        <p:nvSpPr>
+          <p:cNvPr id="31" name="TextBox 30"/>
+          <p:cNvSpPr txBox="1"/>
+          <p:nvPr/>
+        </p:nvSpPr>
+        <p:spPr>
+          <a:xfrm>
+            <a:off x="5105400" y="1219200"/>
+            <a:ext cx="620683" cy="276999"/>
+          </a:xfrm>
+          <a:prstGeom prst="rect">
+            <a:avLst/>
+          </a:prstGeom>
+          <a:noFill/>
+        </p:spPr>
+        <p:txBody>
+          <a:bodyPr wrap="none" rtlCol="0">
+            <a:spAutoFit/>
+          </a:bodyPr>
+          <a:lstStyle/>
+          <a:p>
+            <a:r>
+              <a:rPr lang="en-US" sz="1200" smtClean="0">
+                <a:latin typeface="Helvetica" panose="020B0604020202030204" pitchFamily="34" charset="0"/>
+              </a:rPr>
+              <a:t>Status</a:t>
+            </a:r>
+            <a:endParaRPr lang="en-US" sz="1200">
+              <a:latin typeface="Helvetica" panose="020B0604020202030204" pitchFamily="34" charset="0"/>
+            </a:endParaRPr>
+          </a:p>
+        </p:txBody>
+      </p:sp>
+      <p:sp>
+        <p:nvSpPr>
+          <p:cNvPr id="32" name="TextBox 31"/>
+          <p:cNvSpPr txBox="1"/>
+          <p:nvPr/>
+        </p:nvSpPr>
+        <p:spPr>
+          <a:xfrm>
+            <a:off x="5105400" y="2438400"/>
+            <a:ext cx="620683" cy="276999"/>
+          </a:xfrm>
+          <a:prstGeom prst="rect">
+            <a:avLst/>
+          </a:prstGeom>
+          <a:noFill/>
+        </p:spPr>
+        <p:txBody>
+          <a:bodyPr wrap="none" rtlCol="0">
+            <a:spAutoFit/>
+          </a:bodyPr>
+          <a:lstStyle/>
+          <a:p>
+            <a:r>
+              <a:rPr lang="en-US" sz="1200" smtClean="0">
+                <a:latin typeface="Helvetica" panose="020B0604020202030204" pitchFamily="34" charset="0"/>
+              </a:rPr>
+              <a:t>Status</a:t>
+            </a:r>
+            <a:endParaRPr lang="en-US" sz="1200">
+              <a:latin typeface="Helvetica" panose="020B0604020202030204" pitchFamily="34" charset="0"/>
+            </a:endParaRPr>
+          </a:p>
+        </p:txBody>
+      </p:sp>
+      <p:sp>
+        <p:nvSpPr>
+          <p:cNvPr id="36" name="TextBox 35"/>
+          <p:cNvSpPr txBox="1"/>
+          <p:nvPr/>
+        </p:nvSpPr>
+        <p:spPr>
+          <a:xfrm>
+            <a:off x="5095920" y="2743200"/>
+            <a:ext cx="619080" cy="276999"/>
+          </a:xfrm>
+          <a:prstGeom prst="rect">
+            <a:avLst/>
+          </a:prstGeom>
+          <a:noFill/>
+        </p:spPr>
+        <p:txBody>
+          <a:bodyPr wrap="none" rtlCol="0">
+            <a:spAutoFit/>
+          </a:bodyPr>
+          <a:lstStyle/>
+          <a:p>
+            <a:r>
+              <a:rPr lang="en-US" sz="1200" smtClean="0">
+                <a:latin typeface="Helvetica" panose="020B0604020202030204" pitchFamily="34" charset="0"/>
+              </a:rPr>
+              <a:t>Result</a:t>
+            </a:r>
+            <a:endParaRPr lang="en-US" sz="1200">
+              <a:latin typeface="Helvetica" panose="020B0604020202030204" pitchFamily="34" charset="0"/>
+            </a:endParaRPr>
+          </a:p>
+        </p:txBody>
+      </p:sp>
+      <p:sp>
+        <p:nvSpPr>
+          <p:cNvPr id="37" name="TextBox 36"/>
+          <p:cNvSpPr txBox="1"/>
+          <p:nvPr/>
+        </p:nvSpPr>
+        <p:spPr>
+          <a:xfrm>
+            <a:off x="5095920" y="914400"/>
+            <a:ext cx="619080" cy="276999"/>
+          </a:xfrm>
+          <a:prstGeom prst="rect">
+            <a:avLst/>
+          </a:prstGeom>
+          <a:noFill/>
+        </p:spPr>
+        <p:txBody>
+          <a:bodyPr wrap="none" rtlCol="0">
+            <a:spAutoFit/>
+          </a:bodyPr>
+          <a:lstStyle/>
+          <a:p>
+            <a:r>
+              <a:rPr lang="en-US" sz="1200" smtClean="0">
+                <a:latin typeface="Helvetica" panose="020B0604020202030204" pitchFamily="34" charset="0"/>
+              </a:rPr>
+              <a:t>Result</a:t>
+            </a:r>
+            <a:endParaRPr lang="en-US" sz="1200">
+              <a:latin typeface="Helvetica" panose="020B0604020202030204" pitchFamily="34" charset="0"/>
+            </a:endParaRPr>
+          </a:p>
+        </p:txBody>
+      </p:sp>
+      <p:sp>
+        <p:nvSpPr>
+          <p:cNvPr id="38" name="TextBox 37"/>
+          <p:cNvSpPr txBox="1"/>
+          <p:nvPr/>
+        </p:nvSpPr>
+        <p:spPr>
+          <a:xfrm>
+            <a:off x="6934200" y="6400800"/>
+            <a:ext cx="2069797" cy="369332"/>
+          </a:xfrm>
+          <a:prstGeom prst="rect">
+            <a:avLst/>
+          </a:prstGeom>
+          <a:noFill/>
+        </p:spPr>
+        <p:txBody>
+          <a:bodyPr wrap="none" rtlCol="0">
+            <a:spAutoFit/>
+          </a:bodyPr>
+          <a:lstStyle/>
+          <a:p>
+            <a:r>
+              <a:rPr lang="en-US" smtClean="0">
+                <a:latin typeface="Helvetica" panose="020B0604020202030204" pitchFamily="34" charset="0"/>
+              </a:rPr>
+              <a:t>managing-clusters</a:t>
+            </a:r>
+          </a:p>
+        </p:txBody>
+      </p:sp>
+      <p:sp>
+        <p:nvSpPr>
+          <p:cNvPr id="39" name="TextBox 38"/>
+          <p:cNvSpPr txBox="1"/>
+          <p:nvPr/>
+        </p:nvSpPr>
+        <p:spPr>
+          <a:xfrm>
+            <a:off x="7844135" y="1925107"/>
+            <a:ext cx="461665" cy="284693"/>
+          </a:xfrm>
+          <a:prstGeom prst="rect">
+            <a:avLst/>
+          </a:prstGeom>
+          <a:noFill/>
+        </p:spPr>
+        <p:txBody>
+          <a:bodyPr vert="vert" wrap="none" rtlCol="0">
+            <a:spAutoFit/>
+          </a:bodyPr>
+          <a:lstStyle/>
+          <a:p>
+            <a:r>
+              <a:rPr lang="en-US" b="1" smtClean="0">
+                <a:latin typeface="Helvetica" panose="020B0604020202030204" pitchFamily="34" charset="0"/>
+              </a:rPr>
+              <a:t>...</a:t>
+            </a:r>
+          </a:p>
+        </p:txBody>
+      </p:sp>
+      <p:sp>
+        <p:nvSpPr>
+          <p:cNvPr id="28" name="Flowchart: Process 27"/>
+          <p:cNvSpPr/>
+          <p:nvPr/>
+        </p:nvSpPr>
+        <p:spPr>
+          <a:xfrm>
+            <a:off x="76200" y="1676400"/>
+            <a:ext cx="2362200" cy="762000"/>
+          </a:xfrm>
+          <a:prstGeom prst="flowChartProcess">
+            <a:avLst/>
+          </a:prstGeom>
+        </p:spPr>
+        <p:style>
+          <a:lnRef idx="1">
+            <a:schemeClr val="dk1"/>
+          </a:lnRef>
+          <a:fillRef idx="2">
+            <a:schemeClr val="dk1"/>
+          </a:fillRef>
+          <a:effectRef idx="1">
+            <a:schemeClr val="dk1"/>
+          </a:effectRef>
+          <a:fontRef idx="minor">
+            <a:schemeClr val="dk1"/>
+          </a:fontRef>
+        </p:style>
+        <p:txBody>
+          <a:bodyPr rot="0" spcFirstLastPara="0" vertOverflow="overflow" horzOverflow="overflow" vert="horz" wrap="square" lIns="91440" tIns="45720" rIns="91440" bIns="45720" numCol="1" spcCol="0" rtlCol="0" fromWordArt="0" anchor="ctr" anchorCtr="0" forceAA="0" compatLnSpc="1">
+            <a:prstTxWarp prst="textNoShape">
+              <a:avLst/>
+            </a:prstTxWarp>
+            <a:noAutofit/>
+          </a:bodyPr>
+          <a:lstStyle/>
+          <a:p>
+            <a:r>
+              <a:rPr lang="en-US" smtClean="0">
+                <a:latin typeface="Helvetica" panose="020B0604020202030204" pitchFamily="34" charset="0"/>
+              </a:rPr>
+              <a:t>Driver</a:t>
+            </a:r>
+          </a:p>
+        </p:txBody>
+      </p:sp>
+      <p:sp>
+        <p:nvSpPr>
+          <p:cNvPr id="30" name="Flowchart: Process 29"/>
+          <p:cNvSpPr/>
+          <p:nvPr/>
+        </p:nvSpPr>
+        <p:spPr>
+          <a:xfrm>
+            <a:off x="914400" y="1828800"/>
+            <a:ext cx="1371600" cy="457200"/>
+          </a:xfrm>
+          <a:prstGeom prst="flowChartProcess">
+            <a:avLst/>
+          </a:prstGeom>
+          <a:ln w="9525"/>
+        </p:spPr>
+        <p:style>
+          <a:lnRef idx="2">
+            <a:schemeClr val="dk1"/>
+          </a:lnRef>
+          <a:fillRef idx="1">
+            <a:schemeClr val="lt1"/>
+          </a:fillRef>
+          <a:effectRef idx="0">
+            <a:schemeClr val="dk1"/>
+          </a:effectRef>
+          <a:fontRef idx="minor">
+            <a:schemeClr val="dk1"/>
+          </a:fontRef>
+        </p:style>
+        <p:txBody>
+          <a:bodyPr rot="0" spcFirstLastPara="0" vertOverflow="overflow" horzOverflow="overflow" vert="horz" wrap="square" lIns="91440" tIns="45720" rIns="91440" bIns="45720" numCol="1" spcCol="0" rtlCol="0" fromWordArt="0" anchor="ctr" anchorCtr="0" forceAA="0" compatLnSpc="1">
+            <a:prstTxWarp prst="textNoShape">
+              <a:avLst/>
+            </a:prstTxWarp>
+            <a:noAutofit/>
+          </a:bodyPr>
+          <a:lstStyle/>
+          <a:p>
+            <a:pPr algn="ctr"/>
+            <a:r>
+              <a:rPr lang="en-US" sz="1400" smtClean="0">
+                <a:latin typeface="Helvetica" panose="020B0604020202030204" pitchFamily="34" charset="0"/>
+              </a:rPr>
+              <a:t>Application</a:t>
+            </a:r>
+          </a:p>
+        </p:txBody>
+      </p:sp>
+      <p:cxnSp>
+        <p:nvCxnSpPr>
+          <p:cNvPr id="5" name="Elbow Connector 4"/>
+          <p:cNvCxnSpPr>
+            <a:endCxn id="28" idx="0"/>
+          </p:cNvCxnSpPr>
+          <p:nvPr/>
+        </p:nvCxnSpPr>
+        <p:spPr>
+          <a:xfrm rot="10800000" flipV="1">
+            <a:off x="1257300" y="1143000"/>
+            <a:ext cx="4457700" cy="533400"/>
+          </a:xfrm>
+          <a:prstGeom prst="bentConnector2">
+            <a:avLst/>
+          </a:prstGeom>
+          <a:ln w="12700">
+            <a:tailEnd type="arrow"/>
+          </a:ln>
+        </p:spPr>
+        <p:style>
+          <a:lnRef idx="2">
+            <a:schemeClr val="dk1"/>
+          </a:lnRef>
+          <a:fillRef idx="0">
+            <a:schemeClr val="dk1"/>
+          </a:fillRef>
+          <a:effectRef idx="1">
+            <a:schemeClr val="dk1"/>
+          </a:effectRef>
+          <a:fontRef idx="minor">
+            <a:schemeClr val="tx1"/>
+          </a:fontRef>
+        </p:style>
+      </p:cxnSp>
+      <p:cxnSp>
+        <p:nvCxnSpPr>
+          <p:cNvPr id="12" name="Elbow Connector 11"/>
+          <p:cNvCxnSpPr>
+            <a:endCxn id="28" idx="2"/>
+          </p:cNvCxnSpPr>
+          <p:nvPr/>
+        </p:nvCxnSpPr>
+        <p:spPr>
+          <a:xfrm rot="10800000">
+            <a:off x="1257300" y="2438400"/>
+            <a:ext cx="4457700" cy="533400"/>
+          </a:xfrm>
+          <a:prstGeom prst="bentConnector2">
+            <a:avLst/>
+          </a:prstGeom>
+          <a:ln w="12700">
+            <a:tailEnd type="arrow"/>
+          </a:ln>
+        </p:spPr>
+        <p:style>
+          <a:lnRef idx="2">
+            <a:schemeClr val="dk1"/>
+          </a:lnRef>
+          <a:fillRef idx="0">
+            <a:schemeClr val="dk1"/>
+          </a:fillRef>
+          <a:effectRef idx="1">
+            <a:schemeClr val="dk1"/>
+          </a:effectRef>
+          <a:fontRef idx="minor">
+            <a:schemeClr val="tx1"/>
+          </a:fontRef>
+        </p:style>
+      </p:cxnSp>
+    </p:spTree>
+    <p:extLst>
+      <p:ext uri="{BB962C8B-B14F-4D97-AF65-F5344CB8AC3E}">
+        <p14:creationId xmlns:p14="http://schemas.microsoft.com/office/powerpoint/2010/main" val="3177194930"/>
+      </p:ext>
+    </p:extLst>
+  </p:cSld>
+  <p:clrMapOvr>
+    <a:masterClrMapping/>
+  </p:clrMapOvr>
+</p:sld>
+</file>
+
+<file path=ppt/slides/slide4.xml><?xml version="1.0" encoding="utf-8"?>
+<p:sld xmlns:a="http://schemas.openxmlformats.org/drawingml/2006/main" xmlns:r="http://schemas.openxmlformats.org/officeDocument/2006/relationships" xmlns:p="http://schemas.openxmlformats.org/presentationml/2006/main">
+  <p:cSld>
+    <p:spTree>
+      <p:nvGrpSpPr>
+        <p:cNvPr id="1" name=""/>
+        <p:cNvGrpSpPr/>
+        <p:nvPr/>
+      </p:nvGrpSpPr>
+      <p:grpSpPr>
+        <a:xfrm>
+          <a:off x="0" y="0"/>
+          <a:ext cx="0" cy="0"/>
+          <a:chOff x="0" y="0"/>
+          <a:chExt cx="0" cy="0"/>
+        </a:xfrm>
+      </p:grpSpPr>
+      <p:sp>
+        <p:nvSpPr>
+          <p:cNvPr id="38" name="TextBox 37"/>
+          <p:cNvSpPr txBox="1"/>
+          <p:nvPr/>
+        </p:nvSpPr>
+        <p:spPr>
+          <a:xfrm>
+            <a:off x="6934200" y="6400800"/>
+            <a:ext cx="2069797" cy="369332"/>
+          </a:xfrm>
+          <a:prstGeom prst="rect">
+            <a:avLst/>
+          </a:prstGeom>
+          <a:noFill/>
+        </p:spPr>
+        <p:txBody>
+          <a:bodyPr wrap="none" rtlCol="0">
+            <a:spAutoFit/>
+          </a:bodyPr>
+          <a:lstStyle/>
+          <a:p>
+            <a:r>
+              <a:rPr lang="en-US" smtClean="0">
+                <a:latin typeface="Helvetica" panose="020B0604020202030204" pitchFamily="34" charset="0"/>
+              </a:rPr>
+              <a:t>managing-clusters</a:t>
+            </a:r>
+          </a:p>
+        </p:txBody>
+      </p:sp>
+      <p:sp>
+        <p:nvSpPr>
+          <p:cNvPr id="4" name="Flowchart: Process 3"/>
+          <p:cNvSpPr/>
+          <p:nvPr/>
+        </p:nvSpPr>
+        <p:spPr>
+          <a:xfrm>
+            <a:off x="2971800" y="533401"/>
+            <a:ext cx="2971800" cy="1295400"/>
+          </a:xfrm>
+          <a:prstGeom prst="flowChartProcess">
+            <a:avLst/>
+          </a:prstGeom>
+        </p:spPr>
+        <p:style>
+          <a:lnRef idx="1">
+            <a:schemeClr val="accent1"/>
+          </a:lnRef>
+          <a:fillRef idx="2">
+            <a:schemeClr val="accent1"/>
+          </a:fillRef>
+          <a:effectRef idx="1">
+            <a:schemeClr val="accent1"/>
+          </a:effectRef>
+          <a:fontRef idx="minor">
+            <a:schemeClr val="dk1"/>
+          </a:fontRef>
+        </p:style>
+        <p:txBody>
+          <a:bodyPr rtlCol="0" anchor="b"/>
+          <a:lstStyle/>
+          <a:p>
+            <a:pPr algn="ctr"/>
             <a:endParaRPr lang="en-US">
               <a:latin typeface="Helvetica" panose="020B0604020202030204" pitchFamily="34" charset="0"/>
             </a:endParaRPr>
@@ -4473,9 +4565,6 @@
               </a:rPr>
               <a:t>sparkour-master</a:t>
             </a:r>
-            <a:endParaRPr lang="en-US" sz="1200" i="1" smtClean="0">
-              <a:latin typeface="Helvetica" panose="020B0604020202030204" pitchFamily="34" charset="0"/>
-            </a:endParaRPr>
           </a:p>
         </p:txBody>
       </p:sp>
@@ -4524,9 +4613,6 @@
               </a:rPr>
               <a:t>sparkour-slave</a:t>
             </a:r>
-            <a:endParaRPr lang="en-US" sz="1200" i="1" smtClean="0">
-              <a:latin typeface="Helvetica" panose="020B0604020202030204" pitchFamily="34" charset="0"/>
-            </a:endParaRPr>
           </a:p>
         </p:txBody>
       </p:sp>
@@ -4617,9 +4703,6 @@
               </a:rPr>
               <a:t>sparkour-dev</a:t>
             </a:r>
-            <a:endParaRPr lang="en-US" sz="1200" i="1" smtClean="0">
-              <a:latin typeface="Helvetica" panose="020B0604020202030204" pitchFamily="34" charset="0"/>
-            </a:endParaRPr>
           </a:p>
         </p:txBody>
       </p:sp>
@@ -4737,17 +4820,8 @@
               <a:rPr lang="en-US" sz="1100" smtClean="0">
                 <a:latin typeface="Helvetica" panose="020B0604020202030204" pitchFamily="34" charset="0"/>
               </a:rPr>
-              <a:t>de</a:t>
-            </a:r>
-            <a:r>
-              <a:rPr lang="en-US" sz="1100" smtClean="0">
-                <a:latin typeface="Helvetica" panose="020B0604020202030204" pitchFamily="34" charset="0"/>
-              </a:rPr>
-              <a:t>velopment environment</a:t>
-            </a:r>
-            <a:endParaRPr lang="en-US" sz="1100" smtClean="0">
-              <a:latin typeface="Helvetica" panose="020B0604020202030204" pitchFamily="34" charset="0"/>
-            </a:endParaRPr>
+              <a:t>development environment</a:t>
+            </a:r>
           </a:p>
         </p:txBody>
       </p:sp>
@@ -4797,9 +4871,6 @@
               </a:rPr>
               <a:t>master</a:t>
             </a:r>
-            <a:endParaRPr lang="en-US" sz="1100" smtClean="0">
-              <a:latin typeface="Helvetica" panose="020B0604020202030204" pitchFamily="34" charset="0"/>
-            </a:endParaRPr>
           </a:p>
         </p:txBody>
       </p:sp>
@@ -4849,9 +4920,6 @@
               </a:rPr>
               <a:t>worker</a:t>
             </a:r>
-            <a:endParaRPr lang="en-US" sz="1100" smtClean="0">
-              <a:latin typeface="Helvetica" panose="020B0604020202030204" pitchFamily="34" charset="0"/>
-            </a:endParaRPr>
           </a:p>
         </p:txBody>
       </p:sp>
@@ -4896,13 +4964,7 @@
                 <a:rPr lang="en-US" sz="1200" b="1" smtClean="0">
                   <a:latin typeface="Helvetica" panose="020B0604020202030204" pitchFamily="34" charset="0"/>
                 </a:rPr>
-                <a:t>Tutorial </a:t>
-              </a:r>
-              <a:r>
-                <a:rPr lang="en-US" sz="1200" b="1" smtClean="0">
-                  <a:latin typeface="Helvetica" panose="020B0604020202030204" pitchFamily="34" charset="0"/>
-                </a:rPr>
-                <a:t>Spark Cluster</a:t>
+                <a:t>Tutorial Spark Cluster</a:t>
               </a:r>
             </a:p>
             <a:p>
@@ -4963,9 +5025,6 @@
                 </a:rPr>
                 <a:t>sparkour-app</a:t>
               </a:r>
-              <a:endParaRPr lang="en-US" sz="1200" i="1" smtClean="0">
-                <a:latin typeface="Helvetica" panose="020B0604020202030204" pitchFamily="34" charset="0"/>
-              </a:endParaRPr>
             </a:p>
           </p:txBody>
         </p:sp>
@@ -5122,17 +5181,8 @@
                 <a:rPr lang="en-US" sz="1100" smtClean="0">
                   <a:latin typeface="Helvetica" panose="020B0604020202030204" pitchFamily="34" charset="0"/>
                 </a:rPr>
-                <a:t>de</a:t>
+                <a:t>development environment</a:t>
               </a:r>
-              <a:r>
-                <a:rPr lang="en-US" sz="1100" smtClean="0">
-                  <a:latin typeface="Helvetica" panose="020B0604020202030204" pitchFamily="34" charset="0"/>
-                </a:rPr>
-                <a:t>velopment environment</a:t>
-              </a:r>
-              <a:endParaRPr lang="en-US" sz="1100" smtClean="0">
-                <a:latin typeface="Helvetica" panose="020B0604020202030204" pitchFamily="34" charset="0"/>
-              </a:endParaRPr>
             </a:p>
           </p:txBody>
         </p:sp>
@@ -5182,9 +5232,6 @@
                 </a:rPr>
                 <a:t>master</a:t>
               </a:r>
-              <a:endParaRPr lang="en-US" sz="1100" smtClean="0">
-                <a:latin typeface="Helvetica" panose="020B0604020202030204" pitchFamily="34" charset="0"/>
-              </a:endParaRPr>
             </a:p>
           </p:txBody>
         </p:sp>
@@ -5234,9 +5281,6 @@
                 </a:rPr>
                 <a:t>worker</a:t>
               </a:r>
-              <a:endParaRPr lang="en-US" sz="1100" smtClean="0">
-                <a:latin typeface="Helvetica" panose="020B0604020202030204" pitchFamily="34" charset="0"/>
-              </a:endParaRPr>
             </a:p>
           </p:txBody>
         </p:sp>
@@ -5354,9 +5398,6 @@
                   </a:rPr>
                   <a:t>instance</a:t>
                 </a:r>
-                <a:endParaRPr lang="en-US" sz="800" i="1" smtClean="0">
-                  <a:latin typeface="Helvetica" panose="020B0604020202030204" pitchFamily="34" charset="0"/>
-                </a:endParaRPr>
               </a:p>
             </p:txBody>
           </p:sp>
@@ -5406,9 +5447,6 @@
                   </a:rPr>
                   <a:t>role</a:t>
                 </a:r>
-                <a:endParaRPr lang="en-US" sz="800" smtClean="0">
-                  <a:latin typeface="Helvetica" panose="020B0604020202030204" pitchFamily="34" charset="0"/>
-                </a:endParaRPr>
               </a:p>
             </p:txBody>
           </p:sp>
@@ -5508,7 +5546,7 @@
 </p:sld>
 </file>
 
-<file path=ppt/slides/slide4.xml><?xml version="1.0" encoding="utf-8"?>
+<file path=ppt/slides/slide5.xml><?xml version="1.0" encoding="utf-8"?>
 <p:sld xmlns:a="http://schemas.openxmlformats.org/drawingml/2006/main" xmlns:r="http://schemas.openxmlformats.org/officeDocument/2006/relationships" xmlns:p="http://schemas.openxmlformats.org/presentationml/2006/main">
   <p:cSld>
     <p:spTree>
@@ -5553,9 +5591,6 @@
               </a:rPr>
               <a:t>submitting-applications</a:t>
             </a:r>
-            <a:endParaRPr lang="en-US" smtClean="0">
-              <a:latin typeface="Helvetica" panose="020B0604020202030204" pitchFamily="34" charset="0"/>
-            </a:endParaRPr>
           </a:p>
         </p:txBody>
       </p:sp>
@@ -5587,9 +5622,6 @@
               </a:rPr>
               <a:t>Client Deploy Mode</a:t>
             </a:r>
-            <a:endParaRPr lang="en-US" sz="1200" b="1" smtClean="0">
-              <a:latin typeface="Helvetica" panose="020B0604020202030204" pitchFamily="34" charset="0"/>
-            </a:endParaRPr>
           </a:p>
           <a:p>
             <a:r>
@@ -5645,17 +5677,8 @@
               <a:rPr lang="en-US" sz="1100" smtClean="0">
                 <a:latin typeface="Helvetica" panose="020B0604020202030204" pitchFamily="34" charset="0"/>
               </a:rPr>
-              <a:t>de</a:t>
-            </a:r>
-            <a:r>
-              <a:rPr lang="en-US" sz="1100" smtClean="0">
-                <a:latin typeface="Helvetica" panose="020B0604020202030204" pitchFamily="34" charset="0"/>
-              </a:rPr>
-              <a:t>velopment environment</a:t>
-            </a:r>
-            <a:endParaRPr lang="en-US" sz="1100" smtClean="0">
-              <a:latin typeface="Helvetica" panose="020B0604020202030204" pitchFamily="34" charset="0"/>
-            </a:endParaRPr>
+              <a:t>development environment</a:t>
+            </a:r>
           </a:p>
         </p:txBody>
       </p:sp>
@@ -5743,17 +5766,8 @@
               <a:rPr lang="en-US" sz="1100" smtClean="0">
                 <a:latin typeface="Helvetica" panose="020B0604020202030204" pitchFamily="34" charset="0"/>
               </a:rPr>
-              <a:t>de</a:t>
-            </a:r>
-            <a:r>
-              <a:rPr lang="en-US" sz="1100" smtClean="0">
-                <a:latin typeface="Helvetica" panose="020B0604020202030204" pitchFamily="34" charset="0"/>
-              </a:rPr>
-              <a:t>velopment environment</a:t>
-            </a:r>
-            <a:endParaRPr lang="en-US" sz="1100" smtClean="0">
-              <a:latin typeface="Helvetica" panose="020B0604020202030204" pitchFamily="34" charset="0"/>
-            </a:endParaRPr>
+              <a:t>development environment</a:t>
+            </a:r>
           </a:p>
         </p:txBody>
       </p:sp>
@@ -5883,9 +5897,6 @@
               </a:rPr>
               <a:t>master</a:t>
             </a:r>
-            <a:endParaRPr lang="en-US" sz="1100" smtClean="0">
-              <a:latin typeface="Helvetica" panose="020B0604020202030204" pitchFamily="34" charset="0"/>
-            </a:endParaRPr>
           </a:p>
         </p:txBody>
       </p:sp>
@@ -5935,9 +5946,6 @@
               </a:rPr>
               <a:t>worker</a:t>
             </a:r>
-            <a:endParaRPr lang="en-US" sz="1100" smtClean="0">
-              <a:latin typeface="Helvetica" panose="020B0604020202030204" pitchFamily="34" charset="0"/>
-            </a:endParaRPr>
           </a:p>
         </p:txBody>
       </p:sp>
@@ -5987,9 +5995,6 @@
               </a:rPr>
               <a:t>driver</a:t>
             </a:r>
-            <a:endParaRPr lang="en-US" sz="1100" smtClean="0">
-              <a:latin typeface="Helvetica" panose="020B0604020202030204" pitchFamily="34" charset="0"/>
-            </a:endParaRPr>
           </a:p>
         </p:txBody>
       </p:sp>
@@ -6085,9 +6090,6 @@
               </a:rPr>
               <a:t>master</a:t>
             </a:r>
-            <a:endParaRPr lang="en-US" sz="1100" smtClean="0">
-              <a:latin typeface="Helvetica" panose="020B0604020202030204" pitchFamily="34" charset="0"/>
-            </a:endParaRPr>
           </a:p>
         </p:txBody>
       </p:sp>
@@ -6137,9 +6139,6 @@
               </a:rPr>
               <a:t>worker</a:t>
             </a:r>
-            <a:endParaRPr lang="en-US" sz="1100" smtClean="0">
-              <a:latin typeface="Helvetica" panose="020B0604020202030204" pitchFamily="34" charset="0"/>
-            </a:endParaRPr>
           </a:p>
         </p:txBody>
       </p:sp>
@@ -6189,9 +6188,6 @@
               </a:rPr>
               <a:t>driver</a:t>
             </a:r>
-            <a:endParaRPr lang="en-US" sz="1100" smtClean="0">
-              <a:latin typeface="Helvetica" panose="020B0604020202030204" pitchFamily="34" charset="0"/>
-            </a:endParaRPr>
           </a:p>
         </p:txBody>
       </p:sp>
@@ -6280,7 +6276,7 @@
 </p:sld>
 </file>
 
-<file path=ppt/slides/slide5.xml><?xml version="1.0" encoding="utf-8"?>
+<file path=ppt/slides/slide6.xml><?xml version="1.0" encoding="utf-8"?>
 <p:sld xmlns:a="http://schemas.openxmlformats.org/drawingml/2006/main" xmlns:r="http://schemas.openxmlformats.org/officeDocument/2006/relationships" xmlns:p="http://schemas.openxmlformats.org/presentationml/2006/main">
   <p:cSld>
     <p:spTree>
@@ -6875,7 +6871,7 @@
 </p:sld>
 </file>
 
-<file path=ppt/slides/slide6.xml><?xml version="1.0" encoding="utf-8"?>
+<file path=ppt/slides/slide7.xml><?xml version="1.0" encoding="utf-8"?>
 <p:sld xmlns:a="http://schemas.openxmlformats.org/drawingml/2006/main" xmlns:r="http://schemas.openxmlformats.org/officeDocument/2006/relationships" xmlns:p="http://schemas.openxmlformats.org/presentationml/2006/main">
   <p:cSld>
     <p:spTree>

--- a/trunk/data/work/diagrams.pptx
+++ b/trunk/data/work/diagrams.pptx
@@ -294,7 +294,7 @@
           <a:p>
             <a:fld id="{8136B1A2-BD48-40D0-8ACE-0BC0EB70CE80}" type="datetimeFigureOut">
               <a:rPr lang="en-US" smtClean="0"/>
-              <a:t>3/29/2016</a:t>
+              <a:t>9/22/2016</a:t>
             </a:fld>
             <a:endParaRPr lang="en-US"/>
           </a:p>
@@ -464,7 +464,7 @@
           <a:p>
             <a:fld id="{8136B1A2-BD48-40D0-8ACE-0BC0EB70CE80}" type="datetimeFigureOut">
               <a:rPr lang="en-US" smtClean="0"/>
-              <a:t>3/29/2016</a:t>
+              <a:t>9/22/2016</a:t>
             </a:fld>
             <a:endParaRPr lang="en-US"/>
           </a:p>
@@ -644,7 +644,7 @@
           <a:p>
             <a:fld id="{8136B1A2-BD48-40D0-8ACE-0BC0EB70CE80}" type="datetimeFigureOut">
               <a:rPr lang="en-US" smtClean="0"/>
-              <a:t>3/29/2016</a:t>
+              <a:t>9/22/2016</a:t>
             </a:fld>
             <a:endParaRPr lang="en-US"/>
           </a:p>
@@ -814,7 +814,7 @@
           <a:p>
             <a:fld id="{8136B1A2-BD48-40D0-8ACE-0BC0EB70CE80}" type="datetimeFigureOut">
               <a:rPr lang="en-US" smtClean="0"/>
-              <a:t>3/29/2016</a:t>
+              <a:t>9/22/2016</a:t>
             </a:fld>
             <a:endParaRPr lang="en-US"/>
           </a:p>
@@ -1060,7 +1060,7 @@
           <a:p>
             <a:fld id="{8136B1A2-BD48-40D0-8ACE-0BC0EB70CE80}" type="datetimeFigureOut">
               <a:rPr lang="en-US" smtClean="0"/>
-              <a:t>3/29/2016</a:t>
+              <a:t>9/22/2016</a:t>
             </a:fld>
             <a:endParaRPr lang="en-US"/>
           </a:p>
@@ -1348,7 +1348,7 @@
           <a:p>
             <a:fld id="{8136B1A2-BD48-40D0-8ACE-0BC0EB70CE80}" type="datetimeFigureOut">
               <a:rPr lang="en-US" smtClean="0"/>
-              <a:t>3/29/2016</a:t>
+              <a:t>9/22/2016</a:t>
             </a:fld>
             <a:endParaRPr lang="en-US"/>
           </a:p>
@@ -1770,7 +1770,7 @@
           <a:p>
             <a:fld id="{8136B1A2-BD48-40D0-8ACE-0BC0EB70CE80}" type="datetimeFigureOut">
               <a:rPr lang="en-US" smtClean="0"/>
-              <a:t>3/29/2016</a:t>
+              <a:t>9/22/2016</a:t>
             </a:fld>
             <a:endParaRPr lang="en-US"/>
           </a:p>
@@ -1888,7 +1888,7 @@
           <a:p>
             <a:fld id="{8136B1A2-BD48-40D0-8ACE-0BC0EB70CE80}" type="datetimeFigureOut">
               <a:rPr lang="en-US" smtClean="0"/>
-              <a:t>3/29/2016</a:t>
+              <a:t>9/22/2016</a:t>
             </a:fld>
             <a:endParaRPr lang="en-US"/>
           </a:p>
@@ -1983,7 +1983,7 @@
           <a:p>
             <a:fld id="{8136B1A2-BD48-40D0-8ACE-0BC0EB70CE80}" type="datetimeFigureOut">
               <a:rPr lang="en-US" smtClean="0"/>
-              <a:t>3/29/2016</a:t>
+              <a:t>9/22/2016</a:t>
             </a:fld>
             <a:endParaRPr lang="en-US"/>
           </a:p>
@@ -2260,7 +2260,7 @@
           <a:p>
             <a:fld id="{8136B1A2-BD48-40D0-8ACE-0BC0EB70CE80}" type="datetimeFigureOut">
               <a:rPr lang="en-US" smtClean="0"/>
-              <a:t>3/29/2016</a:t>
+              <a:t>9/22/2016</a:t>
             </a:fld>
             <a:endParaRPr lang="en-US"/>
           </a:p>
@@ -2513,7 +2513,7 @@
           <a:p>
             <a:fld id="{8136B1A2-BD48-40D0-8ACE-0BC0EB70CE80}" type="datetimeFigureOut">
               <a:rPr lang="en-US" smtClean="0"/>
-              <a:t>3/29/2016</a:t>
+              <a:t>9/22/2016</a:t>
             </a:fld>
             <a:endParaRPr lang="en-US"/>
           </a:p>
@@ -2726,7 +2726,7 @@
           <a:p>
             <a:fld id="{8136B1A2-BD48-40D0-8ACE-0BC0EB70CE80}" type="datetimeFigureOut">
               <a:rPr lang="en-US" smtClean="0"/>
-              <a:t>3/29/2016</a:t>
+              <a:t>9/22/2016</a:t>
             </a:fld>
             <a:endParaRPr lang="en-US"/>
           </a:p>
@@ -3314,11 +3314,20 @@
           <a:p>
             <a:pPr algn="ctr"/>
             <a:r>
-              <a:rPr lang="en-US" smtClean="0">
+              <a:rPr lang="en-US" dirty="0" smtClean="0">
                 <a:latin typeface="Helvetica" panose="020B0604020202030204" pitchFamily="34" charset="0"/>
               </a:rPr>
-              <a:t>MLib</a:t>
-            </a:r>
+              <a:t>ML/</a:t>
+            </a:r>
+            <a:r>
+              <a:rPr lang="en-US" dirty="0" err="1" smtClean="0">
+                <a:latin typeface="Helvetica" panose="020B0604020202030204" pitchFamily="34" charset="0"/>
+              </a:rPr>
+              <a:t>MLLib</a:t>
+            </a:r>
+            <a:endParaRPr lang="en-US" dirty="0" smtClean="0">
+              <a:latin typeface="Helvetica" panose="020B0604020202030204" pitchFamily="34" charset="0"/>
+            </a:endParaRPr>
           </a:p>
         </p:txBody>
       </p:sp>

--- a/trunk/data/work/diagrams.pptx
+++ b/trunk/data/work/diagrams.pptx
@@ -294,7 +294,7 @@
           <a:p>
             <a:fld id="{8136B1A2-BD48-40D0-8ACE-0BC0EB70CE80}" type="datetimeFigureOut">
               <a:rPr lang="en-US" smtClean="0"/>
-              <a:t>9/22/2016</a:t>
+              <a:t>5/27/2018</a:t>
             </a:fld>
             <a:endParaRPr lang="en-US"/>
           </a:p>
@@ -464,7 +464,7 @@
           <a:p>
             <a:fld id="{8136B1A2-BD48-40D0-8ACE-0BC0EB70CE80}" type="datetimeFigureOut">
               <a:rPr lang="en-US" smtClean="0"/>
-              <a:t>9/22/2016</a:t>
+              <a:t>5/27/2018</a:t>
             </a:fld>
             <a:endParaRPr lang="en-US"/>
           </a:p>
@@ -644,7 +644,7 @@
           <a:p>
             <a:fld id="{8136B1A2-BD48-40D0-8ACE-0BC0EB70CE80}" type="datetimeFigureOut">
               <a:rPr lang="en-US" smtClean="0"/>
-              <a:t>9/22/2016</a:t>
+              <a:t>5/27/2018</a:t>
             </a:fld>
             <a:endParaRPr lang="en-US"/>
           </a:p>
@@ -814,7 +814,7 @@
           <a:p>
             <a:fld id="{8136B1A2-BD48-40D0-8ACE-0BC0EB70CE80}" type="datetimeFigureOut">
               <a:rPr lang="en-US" smtClean="0"/>
-              <a:t>9/22/2016</a:t>
+              <a:t>5/27/2018</a:t>
             </a:fld>
             <a:endParaRPr lang="en-US"/>
           </a:p>
@@ -1060,7 +1060,7 @@
           <a:p>
             <a:fld id="{8136B1A2-BD48-40D0-8ACE-0BC0EB70CE80}" type="datetimeFigureOut">
               <a:rPr lang="en-US" smtClean="0"/>
-              <a:t>9/22/2016</a:t>
+              <a:t>5/27/2018</a:t>
             </a:fld>
             <a:endParaRPr lang="en-US"/>
           </a:p>
@@ -1348,7 +1348,7 @@
           <a:p>
             <a:fld id="{8136B1A2-BD48-40D0-8ACE-0BC0EB70CE80}" type="datetimeFigureOut">
               <a:rPr lang="en-US" smtClean="0"/>
-              <a:t>9/22/2016</a:t>
+              <a:t>5/27/2018</a:t>
             </a:fld>
             <a:endParaRPr lang="en-US"/>
           </a:p>
@@ -1770,7 +1770,7 @@
           <a:p>
             <a:fld id="{8136B1A2-BD48-40D0-8ACE-0BC0EB70CE80}" type="datetimeFigureOut">
               <a:rPr lang="en-US" smtClean="0"/>
-              <a:t>9/22/2016</a:t>
+              <a:t>5/27/2018</a:t>
             </a:fld>
             <a:endParaRPr lang="en-US"/>
           </a:p>
@@ -1888,7 +1888,7 @@
           <a:p>
             <a:fld id="{8136B1A2-BD48-40D0-8ACE-0BC0EB70CE80}" type="datetimeFigureOut">
               <a:rPr lang="en-US" smtClean="0"/>
-              <a:t>9/22/2016</a:t>
+              <a:t>5/27/2018</a:t>
             </a:fld>
             <a:endParaRPr lang="en-US"/>
           </a:p>
@@ -1983,7 +1983,7 @@
           <a:p>
             <a:fld id="{8136B1A2-BD48-40D0-8ACE-0BC0EB70CE80}" type="datetimeFigureOut">
               <a:rPr lang="en-US" smtClean="0"/>
-              <a:t>9/22/2016</a:t>
+              <a:t>5/27/2018</a:t>
             </a:fld>
             <a:endParaRPr lang="en-US"/>
           </a:p>
@@ -2260,7 +2260,7 @@
           <a:p>
             <a:fld id="{8136B1A2-BD48-40D0-8ACE-0BC0EB70CE80}" type="datetimeFigureOut">
               <a:rPr lang="en-US" smtClean="0"/>
-              <a:t>9/22/2016</a:t>
+              <a:t>5/27/2018</a:t>
             </a:fld>
             <a:endParaRPr lang="en-US"/>
           </a:p>
@@ -2513,7 +2513,7 @@
           <a:p>
             <a:fld id="{8136B1A2-BD48-40D0-8ACE-0BC0EB70CE80}" type="datetimeFigureOut">
               <a:rPr lang="en-US" smtClean="0"/>
-              <a:t>9/22/2016</a:t>
+              <a:t>5/27/2018</a:t>
             </a:fld>
             <a:endParaRPr lang="en-US"/>
           </a:p>
@@ -2726,7 +2726,7 @@
           <a:p>
             <a:fld id="{8136B1A2-BD48-40D0-8ACE-0BC0EB70CE80}" type="datetimeFigureOut">
               <a:rPr lang="en-US" smtClean="0"/>
-              <a:t>9/22/2016</a:t>
+              <a:t>5/27/2018</a:t>
             </a:fld>
             <a:endParaRPr lang="en-US"/>
           </a:p>
@@ -3314,16 +3314,10 @@
           <a:p>
             <a:pPr algn="ctr"/>
             <a:r>
-              <a:rPr lang="en-US" dirty="0" smtClean="0">
+              <a:rPr lang="en-US" smtClean="0">
                 <a:latin typeface="Helvetica" panose="020B0604020202030204" pitchFamily="34" charset="0"/>
               </a:rPr>
-              <a:t>ML/</a:t>
-            </a:r>
-            <a:r>
-              <a:rPr lang="en-US" dirty="0" err="1" smtClean="0">
-                <a:latin typeface="Helvetica" panose="020B0604020202030204" pitchFamily="34" charset="0"/>
-              </a:rPr>
-              <a:t>MLLib</a:t>
+              <a:t>MLlib</a:t>
             </a:r>
             <a:endParaRPr lang="en-US" dirty="0" smtClean="0">
               <a:latin typeface="Helvetica" panose="020B0604020202030204" pitchFamily="34" charset="0"/>
@@ -3442,9 +3436,9 @@
       </p:sp>
       <p:pic>
         <p:nvPicPr>
-          <p:cNvPr id="2" name="Picture 1"/>
+          <p:cNvPr id="1026" name="Picture 2"/>
           <p:cNvPicPr>
-            <a:picLocks noChangeAspect="1"/>
+            <a:picLocks noChangeAspect="1" noChangeArrowheads="1"/>
           </p:cNvPicPr>
           <p:nvPr/>
         </p:nvPicPr>
@@ -3456,18 +3450,42 @@
               </a:ext>
             </a:extLst>
           </a:blip>
+          <a:srcRect/>
           <a:stretch>
             <a:fillRect/>
           </a:stretch>
         </p:blipFill>
-        <p:spPr>
-          <a:xfrm>
-            <a:off x="914400" y="457200"/>
+        <p:spPr bwMode="auto">
+          <a:xfrm>
+            <a:off x="1000125" y="1828800"/>
             <a:ext cx="7143750" cy="3200400"/>
           </a:xfrm>
           <a:prstGeom prst="rect">
             <a:avLst/>
           </a:prstGeom>
+          <a:noFill/>
+          <a:ln>
+            <a:noFill/>
+          </a:ln>
+          <a:extLst>
+            <a:ext uri="{909E8E84-426E-40DD-AFC4-6F175D3DCCD1}">
+              <a14:hiddenFill xmlns:a14="http://schemas.microsoft.com/office/drawing/2010/main">
+                <a:solidFill>
+                  <a:schemeClr val="accent1"/>
+                </a:solidFill>
+              </a14:hiddenFill>
+            </a:ext>
+            <a:ext uri="{91240B29-F687-4F45-9708-019B960494DF}">
+              <a14:hiddenLine xmlns:a14="http://schemas.microsoft.com/office/drawing/2010/main" w="9525">
+                <a:solidFill>
+                  <a:schemeClr val="tx1"/>
+                </a:solidFill>
+                <a:miter lim="800000"/>
+                <a:headEnd/>
+                <a:tailEnd/>
+              </a14:hiddenLine>
+            </a:ext>
+          </a:extLst>
         </p:spPr>
       </p:pic>
     </p:spTree>
